--- a/iOS行動程式基礎開發上架20堂課/第16堂課自訂細節頁面/swift-類型轉換.pptx
+++ b/iOS行動程式基礎開發上架20堂課/第16堂課自訂細節頁面/swift-類型轉換.pptx
@@ -33115,7 +33115,7 @@
         <p:spPr>
           <a:xfrm>
             <a:off x="615302" y="1105948"/>
-            <a:ext cx="2281701" cy="1043941"/>
+            <a:ext cx="2095540" cy="1373265"/>
           </a:xfrm>
           <a:prstGeom prst="rect">
             <a:avLst/>
@@ -33135,9 +33135,9 @@
           </a:bodyPr>
           <a:lstStyle/>
           <a:p>
-            <a:pPr marL="457200" indent="-317500" defTabSz="457200">
+            <a:pPr marL="527755" indent="-388055" defTabSz="457200">
               <a:lnSpc>
-                <a:spcPts val="2300"/>
+                <a:spcPts val="1700"/>
               </a:lnSpc>
               <a:spcBef>
                 <a:spcPts val="0"/>
@@ -33148,14 +33148,14 @@
               <a:buSzPct val="100000"/>
               <a:buFont typeface="Menlo"/>
               <a:buChar char="•"/>
-              <a:defRPr b="0" sz="900">
-                <a:solidFill>
-                  <a:srgbClr val="3F6E74"/>
-                </a:solidFill>
-                <a:latin typeface="Menlo"/>
-                <a:ea typeface="Menlo"/>
-                <a:cs typeface="Menlo"/>
-                <a:sym typeface="Menlo"/>
+              <a:defRPr b="0" sz="1100">
+                <a:solidFill>
+                  <a:srgbClr val="5C2699"/>
+                </a:solidFill>
+                <a:latin typeface="Arial"/>
+                <a:ea typeface="Arial"/>
+                <a:cs typeface="Arial"/>
+                <a:sym typeface="Arial"/>
               </a:defRPr>
             </a:pPr>
             <a:r>
@@ -33192,9 +33192,9 @@
             </a:endParaRPr>
           </a:p>
           <a:p>
-            <a:pPr marL="457200" indent="-317500" defTabSz="457200">
+            <a:pPr marL="527755" indent="-388055" defTabSz="457200">
               <a:lnSpc>
-                <a:spcPts val="2300"/>
+                <a:spcPts val="1700"/>
               </a:lnSpc>
               <a:spcBef>
                 <a:spcPts val="0"/>
@@ -33205,14 +33205,14 @@
               <a:buSzPct val="100000"/>
               <a:buFont typeface="Menlo"/>
               <a:buChar char="•"/>
-              <a:defRPr b="0" sz="900">
-                <a:solidFill>
-                  <a:srgbClr val="333333"/>
-                </a:solidFill>
-                <a:latin typeface="Menlo"/>
-                <a:ea typeface="Menlo"/>
-                <a:cs typeface="Menlo"/>
-                <a:sym typeface="Menlo"/>
+              <a:defRPr b="0" sz="1100">
+                <a:solidFill>
+                  <a:srgbClr val="5C2699"/>
+                </a:solidFill>
+                <a:latin typeface="Arial"/>
+                <a:ea typeface="Arial"/>
+                <a:cs typeface="Arial"/>
+                <a:sym typeface="Arial"/>
               </a:defRPr>
             </a:pPr>
             <a:r>
@@ -33241,18 +33241,13 @@
               <a:t>: </a:t>
             </a:r>
             <a:r>
-              <a:rPr>
-                <a:solidFill>
-                  <a:srgbClr val="5C2699"/>
-                </a:solidFill>
-              </a:rPr>
               <a:t>String</a:t>
             </a:r>
           </a:p>
           <a:p>
-            <a:pPr marL="457200" indent="-317500" defTabSz="457200">
+            <a:pPr marL="527755" indent="-388055" defTabSz="457200">
               <a:lnSpc>
-                <a:spcPts val="2300"/>
+                <a:spcPts val="1700"/>
               </a:lnSpc>
               <a:spcBef>
                 <a:spcPts val="0"/>
@@ -33263,14 +33258,14 @@
               <a:buSzPct val="100000"/>
               <a:buFont typeface="Menlo"/>
               <a:buChar char="•"/>
-              <a:defRPr b="0" sz="900">
-                <a:solidFill>
-                  <a:srgbClr val="333333"/>
-                </a:solidFill>
-                <a:latin typeface="Menlo"/>
-                <a:ea typeface="Menlo"/>
-                <a:cs typeface="Menlo"/>
-                <a:sym typeface="Menlo"/>
+              <a:defRPr b="0" sz="1100">
+                <a:solidFill>
+                  <a:srgbClr val="5C2699"/>
+                </a:solidFill>
+                <a:latin typeface="Arial"/>
+                <a:ea typeface="Arial"/>
+                <a:cs typeface="Arial"/>
+                <a:sym typeface="Arial"/>
               </a:defRPr>
             </a:pPr>
             <a:r>
@@ -33299,11 +33294,6 @@
               <a:t>: </a:t>
             </a:r>
             <a:r>
-              <a:rPr>
-                <a:solidFill>
-                  <a:srgbClr val="5C2699"/>
-                </a:solidFill>
-              </a:rPr>
               <a:t>String</a:t>
             </a:r>
             <a:r>
@@ -33311,9 +33301,9 @@
             </a:r>
           </a:p>
           <a:p>
-            <a:pPr marL="457200" indent="-317500" defTabSz="457200">
+            <a:pPr marL="527755" indent="-388055" defTabSz="457200">
               <a:lnSpc>
-                <a:spcPts val="2300"/>
+                <a:spcPts val="1700"/>
               </a:lnSpc>
               <a:spcBef>
                 <a:spcPts val="0"/>
@@ -33324,14 +33314,14 @@
               <a:buSzPct val="100000"/>
               <a:buFont typeface="Menlo"/>
               <a:buChar char="•"/>
-              <a:defRPr b="0" sz="900">
-                <a:solidFill>
-                  <a:srgbClr val="333333"/>
-                </a:solidFill>
-                <a:latin typeface="Menlo"/>
-                <a:ea typeface="Menlo"/>
-                <a:cs typeface="Menlo"/>
-                <a:sym typeface="Menlo"/>
+              <a:defRPr b="0" sz="1100">
+                <a:solidFill>
+                  <a:srgbClr val="5C2699"/>
+                </a:solidFill>
+                <a:latin typeface="Arial"/>
+                <a:ea typeface="Arial"/>
+                <a:cs typeface="Arial"/>
+                <a:sym typeface="Arial"/>
               </a:defRPr>
             </a:pPr>
             <a:r>
@@ -33369,9 +33359,9 @@
             </a:r>
           </a:p>
           <a:p>
-            <a:pPr marL="457200" indent="-317500" defTabSz="457200">
+            <a:pPr marL="527755" indent="-388055" defTabSz="457200">
               <a:lnSpc>
-                <a:spcPts val="2300"/>
+                <a:spcPts val="1700"/>
               </a:lnSpc>
               <a:spcBef>
                 <a:spcPts val="0"/>
@@ -33382,14 +33372,14 @@
               <a:buSzPct val="100000"/>
               <a:buFont typeface="Menlo"/>
               <a:buChar char="•"/>
-              <a:defRPr b="0" sz="900">
-                <a:solidFill>
-                  <a:srgbClr val="333333"/>
-                </a:solidFill>
-                <a:latin typeface="Menlo"/>
-                <a:ea typeface="Menlo"/>
-                <a:cs typeface="Menlo"/>
-                <a:sym typeface="Menlo"/>
+              <a:defRPr b="0" sz="1100">
+                <a:solidFill>
+                  <a:srgbClr val="5C2699"/>
+                </a:solidFill>
+                <a:latin typeface="Arial"/>
+                <a:ea typeface="Arial"/>
+                <a:cs typeface="Arial"/>
+                <a:sym typeface="Arial"/>
               </a:defRPr>
             </a:pPr>
             <a:r>
@@ -33397,9 +33387,9 @@
             </a:r>
           </a:p>
           <a:p>
-            <a:pPr marL="457200" indent="-317500" defTabSz="457200">
+            <a:pPr marL="527755" indent="-388055" defTabSz="457200">
               <a:lnSpc>
-                <a:spcPts val="2300"/>
+                <a:spcPts val="1700"/>
               </a:lnSpc>
               <a:spcBef>
                 <a:spcPts val="0"/>
@@ -33410,14 +33400,14 @@
               <a:buSzPct val="100000"/>
               <a:buFont typeface="Menlo"/>
               <a:buChar char="•"/>
-              <a:defRPr b="0" sz="900">
-                <a:solidFill>
-                  <a:srgbClr val="333333"/>
-                </a:solidFill>
-                <a:latin typeface="Menlo"/>
-                <a:ea typeface="Menlo"/>
-                <a:cs typeface="Menlo"/>
-                <a:sym typeface="Menlo"/>
+              <a:defRPr b="0" sz="1100">
+                <a:solidFill>
+                  <a:srgbClr val="5C2699"/>
+                </a:solidFill>
+                <a:latin typeface="Arial"/>
+                <a:ea typeface="Arial"/>
+                <a:cs typeface="Arial"/>
+                <a:sym typeface="Arial"/>
               </a:defRPr>
             </a:pPr>
             <a:r>
@@ -33434,8 +33424,8 @@
         </p:nvSpPr>
         <p:spPr>
           <a:xfrm>
-            <a:off x="618059" y="2185716"/>
-            <a:ext cx="3520360" cy="2694941"/>
+            <a:off x="3890469" y="1129000"/>
+            <a:ext cx="2961094" cy="3532265"/>
           </a:xfrm>
           <a:prstGeom prst="rect">
             <a:avLst/>
@@ -33455,9 +33445,9 @@
           </a:bodyPr>
           <a:lstStyle/>
           <a:p>
-            <a:pPr marL="457200" indent="-317500" defTabSz="457200">
+            <a:pPr marL="527755" indent="-388055" defTabSz="457200">
               <a:lnSpc>
-                <a:spcPts val="2300"/>
+                <a:spcPts val="1700"/>
               </a:lnSpc>
               <a:spcBef>
                 <a:spcPts val="0"/>
@@ -33468,14 +33458,14 @@
               <a:buSzPct val="100000"/>
               <a:buFont typeface="Menlo"/>
               <a:buChar char="•"/>
-              <a:defRPr b="0" sz="900">
+              <a:defRPr b="0" sz="1100">
                 <a:solidFill>
                   <a:srgbClr val="5C2699"/>
                 </a:solidFill>
-                <a:latin typeface="Menlo"/>
-                <a:ea typeface="Menlo"/>
-                <a:cs typeface="Menlo"/>
-                <a:sym typeface="Menlo"/>
+                <a:latin typeface="Arial"/>
+                <a:ea typeface="Arial"/>
+                <a:cs typeface="Arial"/>
+                <a:sym typeface="Arial"/>
               </a:defRPr>
             </a:pPr>
             <a:r>
@@ -33528,9 +33518,9 @@
             </a:endParaRPr>
           </a:p>
           <a:p>
-            <a:pPr marL="457200" indent="-317500" defTabSz="457200">
+            <a:pPr marL="527755" indent="-388055" defTabSz="457200">
               <a:lnSpc>
-                <a:spcPts val="2300"/>
+                <a:spcPts val="1700"/>
               </a:lnSpc>
               <a:spcBef>
                 <a:spcPts val="0"/>
@@ -33541,14 +33531,14 @@
               <a:buSzPct val="100000"/>
               <a:buFont typeface="Menlo"/>
               <a:buChar char="•"/>
-              <a:defRPr b="0" sz="900">
-                <a:solidFill>
-                  <a:srgbClr val="3F6E74"/>
-                </a:solidFill>
-                <a:latin typeface="Menlo"/>
-                <a:ea typeface="Menlo"/>
-                <a:cs typeface="Menlo"/>
-                <a:sym typeface="Menlo"/>
+              <a:defRPr b="0" sz="1100">
+                <a:solidFill>
+                  <a:srgbClr val="5C2699"/>
+                </a:solidFill>
+                <a:latin typeface="Arial"/>
+                <a:ea typeface="Arial"/>
+                <a:cs typeface="Arial"/>
+                <a:sym typeface="Arial"/>
               </a:defRPr>
             </a:pPr>
             <a:r>
@@ -33587,11 +33577,6 @@
               <a:t>: </a:t>
             </a:r>
             <a:r>
-              <a:rPr>
-                <a:solidFill>
-                  <a:srgbClr val="5C2699"/>
-                </a:solidFill>
-              </a:rPr>
               <a:t>String</a:t>
             </a:r>
             <a:endParaRPr>
@@ -33601,9 +33586,9 @@
             </a:endParaRPr>
           </a:p>
           <a:p>
-            <a:pPr marL="457200" indent="-317500" defTabSz="457200">
+            <a:pPr marL="527755" indent="-388055" defTabSz="457200">
               <a:lnSpc>
-                <a:spcPts val="2300"/>
+                <a:spcPts val="1700"/>
               </a:lnSpc>
               <a:spcBef>
                 <a:spcPts val="0"/>
@@ -33614,14 +33599,14 @@
               <a:buSzPct val="100000"/>
               <a:buFont typeface="Menlo"/>
               <a:buChar char="•"/>
-              <a:defRPr b="0" sz="900">
-                <a:solidFill>
-                  <a:srgbClr val="3F6E74"/>
-                </a:solidFill>
-                <a:latin typeface="Menlo"/>
-                <a:ea typeface="Menlo"/>
-                <a:cs typeface="Menlo"/>
-                <a:sym typeface="Menlo"/>
+              <a:defRPr b="0" sz="1100">
+                <a:solidFill>
+                  <a:srgbClr val="5C2699"/>
+                </a:solidFill>
+                <a:latin typeface="Arial"/>
+                <a:ea typeface="Arial"/>
+                <a:cs typeface="Arial"/>
+                <a:sym typeface="Arial"/>
               </a:defRPr>
             </a:pPr>
             <a:r>
@@ -33660,11 +33645,6 @@
               <a:t>: </a:t>
             </a:r>
             <a:r>
-              <a:rPr>
-                <a:solidFill>
-                  <a:srgbClr val="5C2699"/>
-                </a:solidFill>
-              </a:rPr>
               <a:t>String</a:t>
             </a:r>
             <a:r>
@@ -33687,11 +33667,6 @@
               <a:t>: </a:t>
             </a:r>
             <a:r>
-              <a:rPr>
-                <a:solidFill>
-                  <a:srgbClr val="5C2699"/>
-                </a:solidFill>
-              </a:rPr>
               <a:t>String</a:t>
             </a:r>
             <a:r>
@@ -33709,9 +33684,9 @@
             </a:endParaRPr>
           </a:p>
           <a:p>
-            <a:pPr marL="457200" indent="-317500" defTabSz="457200">
+            <a:pPr marL="527755" indent="-388055" defTabSz="457200">
               <a:lnSpc>
-                <a:spcPts val="2300"/>
+                <a:spcPts val="1700"/>
               </a:lnSpc>
               <a:spcBef>
                 <a:spcPts val="0"/>
@@ -33722,14 +33697,14 @@
               <a:buSzPct val="100000"/>
               <a:buFont typeface="Menlo"/>
               <a:buChar char="•"/>
-              <a:defRPr b="0" sz="900">
-                <a:solidFill>
-                  <a:srgbClr val="333333"/>
-                </a:solidFill>
-                <a:latin typeface="Menlo"/>
-                <a:ea typeface="Menlo"/>
-                <a:cs typeface="Menlo"/>
-                <a:sym typeface="Menlo"/>
+              <a:defRPr b="0" sz="1100">
+                <a:solidFill>
+                  <a:srgbClr val="5C2699"/>
+                </a:solidFill>
+                <a:latin typeface="Arial"/>
+                <a:ea typeface="Arial"/>
+                <a:cs typeface="Arial"/>
+                <a:sym typeface="Arial"/>
               </a:defRPr>
             </a:pPr>
             <a:r>
@@ -33767,9 +33742,9 @@
             </a:r>
           </a:p>
           <a:p>
-            <a:pPr marL="457200" indent="-317500" defTabSz="457200">
+            <a:pPr marL="527755" indent="-388055" defTabSz="457200">
               <a:lnSpc>
-                <a:spcPts val="2300"/>
+                <a:spcPts val="1700"/>
               </a:lnSpc>
               <a:spcBef>
                 <a:spcPts val="0"/>
@@ -33780,14 +33755,14 @@
               <a:buSzPct val="100000"/>
               <a:buFont typeface="Menlo"/>
               <a:buChar char="•"/>
-              <a:defRPr b="0" sz="900">
-                <a:solidFill>
-                  <a:srgbClr val="333333"/>
-                </a:solidFill>
-                <a:latin typeface="Menlo"/>
-                <a:ea typeface="Menlo"/>
-                <a:cs typeface="Menlo"/>
-                <a:sym typeface="Menlo"/>
+              <a:defRPr b="0" sz="1100">
+                <a:solidFill>
+                  <a:srgbClr val="5C2699"/>
+                </a:solidFill>
+                <a:latin typeface="Arial"/>
+                <a:ea typeface="Arial"/>
+                <a:cs typeface="Arial"/>
+                <a:sym typeface="Arial"/>
               </a:defRPr>
             </a:pPr>
             <a:r>
@@ -33839,9 +33814,9 @@
             </a:r>
           </a:p>
           <a:p>
-            <a:pPr marL="457200" indent="-317500" defTabSz="457200">
+            <a:pPr marL="527755" indent="-388055" defTabSz="457200">
               <a:lnSpc>
-                <a:spcPts val="2300"/>
+                <a:spcPts val="1700"/>
               </a:lnSpc>
               <a:spcBef>
                 <a:spcPts val="0"/>
@@ -33852,14 +33827,14 @@
               <a:buSzPct val="100000"/>
               <a:buFont typeface="Menlo"/>
               <a:buChar char="•"/>
-              <a:defRPr b="0" sz="900">
-                <a:solidFill>
-                  <a:srgbClr val="333333"/>
-                </a:solidFill>
-                <a:latin typeface="Menlo"/>
-                <a:ea typeface="Menlo"/>
-                <a:cs typeface="Menlo"/>
-                <a:sym typeface="Menlo"/>
+              <a:defRPr b="0" sz="1100">
+                <a:solidFill>
+                  <a:srgbClr val="5C2699"/>
+                </a:solidFill>
+                <a:latin typeface="Arial"/>
+                <a:ea typeface="Arial"/>
+                <a:cs typeface="Arial"/>
+                <a:sym typeface="Arial"/>
               </a:defRPr>
             </a:pPr>
             <a:r>
@@ -33867,9 +33842,9 @@
             </a:r>
           </a:p>
           <a:p>
-            <a:pPr marL="457200" indent="-317500" defTabSz="457200">
+            <a:pPr marL="527755" indent="-388055" defTabSz="457200">
               <a:lnSpc>
-                <a:spcPts val="2300"/>
+                <a:spcPts val="1700"/>
               </a:lnSpc>
               <a:spcBef>
                 <a:spcPts val="0"/>
@@ -33880,14 +33855,14 @@
               <a:buSzPct val="100000"/>
               <a:buFont typeface="Menlo"/>
               <a:buChar char="•"/>
-              <a:defRPr b="0" sz="900">
-                <a:solidFill>
-                  <a:srgbClr val="333333"/>
-                </a:solidFill>
-                <a:latin typeface="Menlo"/>
-                <a:ea typeface="Menlo"/>
-                <a:cs typeface="Menlo"/>
-                <a:sym typeface="Menlo"/>
+              <a:defRPr b="0" sz="1100">
+                <a:solidFill>
+                  <a:srgbClr val="5C2699"/>
+                </a:solidFill>
+                <a:latin typeface="Arial"/>
+                <a:ea typeface="Arial"/>
+                <a:cs typeface="Arial"/>
+                <a:sym typeface="Arial"/>
               </a:defRPr>
             </a:pPr>
             <a:r>
@@ -33895,9 +33870,9 @@
             </a:r>
           </a:p>
           <a:p>
-            <a:pPr marL="457200" indent="-317500" defTabSz="457200">
+            <a:pPr marL="527755" indent="-388055" defTabSz="457200">
               <a:lnSpc>
-                <a:spcPts val="2300"/>
+                <a:spcPts val="1700"/>
               </a:lnSpc>
               <a:spcBef>
                 <a:spcPts val="0"/>
@@ -33908,21 +33883,21 @@
               <a:buSzPct val="100000"/>
               <a:buFont typeface="Menlo"/>
               <a:buChar char="•"/>
-              <a:defRPr b="0" sz="900">
-                <a:solidFill>
-                  <a:srgbClr val="333333"/>
-                </a:solidFill>
-                <a:latin typeface="Menlo"/>
-                <a:ea typeface="Menlo"/>
-                <a:cs typeface="Menlo"/>
-                <a:sym typeface="Menlo"/>
+              <a:defRPr b="0" sz="1100">
+                <a:solidFill>
+                  <a:srgbClr val="5C2699"/>
+                </a:solidFill>
+                <a:latin typeface="Arial"/>
+                <a:ea typeface="Arial"/>
+                <a:cs typeface="Arial"/>
+                <a:sym typeface="Arial"/>
               </a:defRPr>
             </a:pPr>
           </a:p>
           <a:p>
-            <a:pPr marL="457200" indent="-317500" defTabSz="457200">
+            <a:pPr marL="527755" indent="-388055" defTabSz="457200">
               <a:lnSpc>
-                <a:spcPts val="2300"/>
+                <a:spcPts val="1700"/>
               </a:lnSpc>
               <a:spcBef>
                 <a:spcPts val="0"/>
@@ -33933,14 +33908,14 @@
               <a:buSzPct val="100000"/>
               <a:buFont typeface="Menlo"/>
               <a:buChar char="•"/>
-              <a:defRPr b="0" sz="900">
+              <a:defRPr b="0" sz="1100">
                 <a:solidFill>
                   <a:srgbClr val="5C2699"/>
                 </a:solidFill>
-                <a:latin typeface="Menlo"/>
-                <a:ea typeface="Menlo"/>
-                <a:cs typeface="Menlo"/>
-                <a:sym typeface="Menlo"/>
+                <a:latin typeface="Arial"/>
+                <a:ea typeface="Arial"/>
+                <a:cs typeface="Arial"/>
+                <a:sym typeface="Arial"/>
               </a:defRPr>
             </a:pPr>
             <a:r>
@@ -33993,9 +33968,9 @@
             </a:endParaRPr>
           </a:p>
           <a:p>
-            <a:pPr marL="457200" indent="-317500" defTabSz="457200">
+            <a:pPr marL="527755" indent="-388055" defTabSz="457200">
               <a:lnSpc>
-                <a:spcPts val="2300"/>
+                <a:spcPts val="1700"/>
               </a:lnSpc>
               <a:spcBef>
                 <a:spcPts val="0"/>
@@ -34006,14 +33981,14 @@
               <a:buSzPct val="100000"/>
               <a:buFont typeface="Menlo"/>
               <a:buChar char="•"/>
-              <a:defRPr b="0" sz="900">
-                <a:solidFill>
-                  <a:srgbClr val="333333"/>
-                </a:solidFill>
-                <a:latin typeface="Menlo"/>
-                <a:ea typeface="Menlo"/>
-                <a:cs typeface="Menlo"/>
-                <a:sym typeface="Menlo"/>
+              <a:defRPr b="0" sz="1100">
+                <a:solidFill>
+                  <a:srgbClr val="5C2699"/>
+                </a:solidFill>
+                <a:latin typeface="Arial"/>
+                <a:ea typeface="Arial"/>
+                <a:cs typeface="Arial"/>
+                <a:sym typeface="Arial"/>
               </a:defRPr>
             </a:pPr>
             <a:r>
@@ -34042,18 +34017,13 @@
               <a:t>: </a:t>
             </a:r>
             <a:r>
-              <a:rPr>
-                <a:solidFill>
-                  <a:srgbClr val="5C2699"/>
-                </a:solidFill>
-              </a:rPr>
               <a:t>String</a:t>
             </a:r>
           </a:p>
           <a:p>
-            <a:pPr marL="457200" indent="-317500" defTabSz="457200">
+            <a:pPr marL="527755" indent="-388055" defTabSz="457200">
               <a:lnSpc>
-                <a:spcPts val="2300"/>
+                <a:spcPts val="1700"/>
               </a:lnSpc>
               <a:spcBef>
                 <a:spcPts val="0"/>
@@ -34064,14 +34034,14 @@
               <a:buSzPct val="100000"/>
               <a:buFont typeface="Menlo"/>
               <a:buChar char="•"/>
-              <a:defRPr b="0" sz="900">
-                <a:solidFill>
-                  <a:srgbClr val="333333"/>
-                </a:solidFill>
-                <a:latin typeface="Menlo"/>
-                <a:ea typeface="Menlo"/>
-                <a:cs typeface="Menlo"/>
-                <a:sym typeface="Menlo"/>
+              <a:defRPr b="0" sz="1100">
+                <a:solidFill>
+                  <a:srgbClr val="5C2699"/>
+                </a:solidFill>
+                <a:latin typeface="Arial"/>
+                <a:ea typeface="Arial"/>
+                <a:cs typeface="Arial"/>
+                <a:sym typeface="Arial"/>
               </a:defRPr>
             </a:pPr>
             <a:r>
@@ -34100,11 +34070,6 @@
               <a:t>: </a:t>
             </a:r>
             <a:r>
-              <a:rPr>
-                <a:solidFill>
-                  <a:srgbClr val="5C2699"/>
-                </a:solidFill>
-              </a:rPr>
               <a:t>String</a:t>
             </a:r>
             <a:r>
@@ -34122,11 +34087,6 @@
               <a:t>: </a:t>
             </a:r>
             <a:r>
-              <a:rPr>
-                <a:solidFill>
-                  <a:srgbClr val="5C2699"/>
-                </a:solidFill>
-              </a:rPr>
               <a:t>String</a:t>
             </a:r>
             <a:r>
@@ -34134,9 +34094,9 @@
             </a:r>
           </a:p>
           <a:p>
-            <a:pPr marL="457200" indent="-317500" defTabSz="457200">
+            <a:pPr marL="527755" indent="-388055" defTabSz="457200">
               <a:lnSpc>
-                <a:spcPts val="2300"/>
+                <a:spcPts val="1700"/>
               </a:lnSpc>
               <a:spcBef>
                 <a:spcPts val="0"/>
@@ -34147,14 +34107,14 @@
               <a:buSzPct val="100000"/>
               <a:buFont typeface="Menlo"/>
               <a:buChar char="•"/>
-              <a:defRPr b="0" sz="900">
-                <a:solidFill>
-                  <a:srgbClr val="333333"/>
-                </a:solidFill>
-                <a:latin typeface="Menlo"/>
-                <a:ea typeface="Menlo"/>
-                <a:cs typeface="Menlo"/>
-                <a:sym typeface="Menlo"/>
+              <a:defRPr b="0" sz="1100">
+                <a:solidFill>
+                  <a:srgbClr val="5C2699"/>
+                </a:solidFill>
+                <a:latin typeface="Arial"/>
+                <a:ea typeface="Arial"/>
+                <a:cs typeface="Arial"/>
+                <a:sym typeface="Arial"/>
               </a:defRPr>
             </a:pPr>
             <a:r>
@@ -34192,9 +34152,9 @@
             </a:r>
           </a:p>
           <a:p>
-            <a:pPr marL="457200" indent="-317500" defTabSz="457200">
+            <a:pPr marL="527755" indent="-388055" defTabSz="457200">
               <a:lnSpc>
-                <a:spcPts val="2300"/>
+                <a:spcPts val="1700"/>
               </a:lnSpc>
               <a:spcBef>
                 <a:spcPts val="0"/>
@@ -34205,14 +34165,14 @@
               <a:buSzPct val="100000"/>
               <a:buFont typeface="Menlo"/>
               <a:buChar char="•"/>
-              <a:defRPr b="0" sz="900">
-                <a:solidFill>
-                  <a:srgbClr val="333333"/>
-                </a:solidFill>
-                <a:latin typeface="Menlo"/>
-                <a:ea typeface="Menlo"/>
-                <a:cs typeface="Menlo"/>
-                <a:sym typeface="Menlo"/>
+              <a:defRPr b="0" sz="1100">
+                <a:solidFill>
+                  <a:srgbClr val="5C2699"/>
+                </a:solidFill>
+                <a:latin typeface="Arial"/>
+                <a:ea typeface="Arial"/>
+                <a:cs typeface="Arial"/>
+                <a:sym typeface="Arial"/>
               </a:defRPr>
             </a:pPr>
             <a:r>
@@ -34264,9 +34224,9 @@
             </a:r>
           </a:p>
           <a:p>
-            <a:pPr marL="457200" indent="-317500" defTabSz="457200">
+            <a:pPr marL="527755" indent="-388055" defTabSz="457200">
               <a:lnSpc>
-                <a:spcPts val="2300"/>
+                <a:spcPts val="1700"/>
               </a:lnSpc>
               <a:spcBef>
                 <a:spcPts val="0"/>
@@ -34277,14 +34237,14 @@
               <a:buSzPct val="100000"/>
               <a:buFont typeface="Menlo"/>
               <a:buChar char="•"/>
-              <a:defRPr b="0" sz="900">
-                <a:solidFill>
-                  <a:srgbClr val="333333"/>
-                </a:solidFill>
-                <a:latin typeface="Menlo"/>
-                <a:ea typeface="Menlo"/>
-                <a:cs typeface="Menlo"/>
-                <a:sym typeface="Menlo"/>
+              <a:defRPr b="0" sz="1100">
+                <a:solidFill>
+                  <a:srgbClr val="5C2699"/>
+                </a:solidFill>
+                <a:latin typeface="Arial"/>
+                <a:ea typeface="Arial"/>
+                <a:cs typeface="Arial"/>
+                <a:sym typeface="Arial"/>
               </a:defRPr>
             </a:pPr>
             <a:r>
@@ -34292,9 +34252,9 @@
             </a:r>
           </a:p>
           <a:p>
-            <a:pPr marL="457200" indent="-317500" defTabSz="457200">
+            <a:pPr marL="527755" indent="-388055" defTabSz="457200">
               <a:lnSpc>
-                <a:spcPts val="2300"/>
+                <a:spcPts val="1700"/>
               </a:lnSpc>
               <a:spcBef>
                 <a:spcPts val="0"/>
@@ -34305,14 +34265,14 @@
               <a:buSzPct val="100000"/>
               <a:buFont typeface="Menlo"/>
               <a:buChar char="•"/>
-              <a:defRPr b="0" sz="900">
-                <a:solidFill>
-                  <a:srgbClr val="333333"/>
-                </a:solidFill>
-                <a:latin typeface="Menlo"/>
-                <a:ea typeface="Menlo"/>
-                <a:cs typeface="Menlo"/>
-                <a:sym typeface="Menlo"/>
+              <a:defRPr b="0" sz="1100">
+                <a:solidFill>
+                  <a:srgbClr val="5C2699"/>
+                </a:solidFill>
+                <a:latin typeface="Arial"/>
+                <a:ea typeface="Arial"/>
+                <a:cs typeface="Arial"/>
+                <a:sym typeface="Arial"/>
               </a:defRPr>
             </a:pPr>
             <a:r>
@@ -34465,7 +34425,7 @@
         <p:spPr>
           <a:xfrm>
             <a:off x="606780" y="1122992"/>
-            <a:ext cx="5034277" cy="1374141"/>
+            <a:ext cx="6664771" cy="2611002"/>
           </a:xfrm>
           <a:prstGeom prst="rect">
             <a:avLst/>
@@ -34485,9 +34445,9 @@
           </a:bodyPr>
           <a:lstStyle/>
           <a:p>
-            <a:pPr marL="457200" indent="-317500" defTabSz="457200">
+            <a:pPr marL="704144" indent="-564444" defTabSz="457200">
               <a:lnSpc>
-                <a:spcPts val="2300"/>
+                <a:spcPts val="2500"/>
               </a:lnSpc>
               <a:spcBef>
                 <a:spcPts val="0"/>
@@ -34498,14 +34458,14 @@
               <a:buSzPct val="100000"/>
               <a:buFont typeface="Menlo"/>
               <a:buChar char="•"/>
-              <a:defRPr b="0" sz="900">
-                <a:solidFill>
-                  <a:srgbClr val="3F6E74"/>
-                </a:solidFill>
-                <a:latin typeface="Menlo"/>
-                <a:ea typeface="Menlo"/>
-                <a:cs typeface="Menlo"/>
-                <a:sym typeface="Menlo"/>
+              <a:defRPr b="0" sz="1600">
+                <a:solidFill>
+                  <a:srgbClr val="5C2699"/>
+                </a:solidFill>
+                <a:latin typeface="Arial"/>
+                <a:ea typeface="Arial"/>
+                <a:cs typeface="Arial"/>
+                <a:sym typeface="Arial"/>
               </a:defRPr>
             </a:pPr>
             <a:r>
@@ -34542,9 +34502,9 @@
             </a:endParaRPr>
           </a:p>
           <a:p>
-            <a:pPr marL="457200" indent="-317500" defTabSz="457200">
+            <a:pPr marL="704144" indent="-564444" defTabSz="457200">
               <a:lnSpc>
-                <a:spcPts val="2300"/>
+                <a:spcPts val="2500"/>
               </a:lnSpc>
               <a:spcBef>
                 <a:spcPts val="0"/>
@@ -34555,14 +34515,14 @@
               <a:buSzPct val="100000"/>
               <a:buFont typeface="Menlo"/>
               <a:buChar char="•"/>
-              <a:defRPr b="0" sz="900">
-                <a:solidFill>
-                  <a:srgbClr val="C41A16"/>
-                </a:solidFill>
-                <a:latin typeface="Menlo"/>
-                <a:ea typeface="Menlo"/>
-                <a:cs typeface="Menlo"/>
-                <a:sym typeface="Menlo"/>
+              <a:defRPr b="0" sz="1600">
+                <a:solidFill>
+                  <a:srgbClr val="5C2699"/>
+                </a:solidFill>
+                <a:latin typeface="Arial"/>
+                <a:ea typeface="Arial"/>
+                <a:cs typeface="Arial"/>
+                <a:sym typeface="Arial"/>
               </a:defRPr>
             </a:pPr>
             <a:r>
@@ -34650,9 +34610,9 @@
             </a:endParaRPr>
           </a:p>
           <a:p>
-            <a:pPr marL="457200" indent="-317500" defTabSz="457200">
+            <a:pPr marL="704144" indent="-564444" defTabSz="457200">
               <a:lnSpc>
-                <a:spcPts val="2300"/>
+                <a:spcPts val="2500"/>
               </a:lnSpc>
               <a:spcBef>
                 <a:spcPts val="0"/>
@@ -34663,14 +34623,14 @@
               <a:buSzPct val="100000"/>
               <a:buFont typeface="Menlo"/>
               <a:buChar char="•"/>
-              <a:defRPr b="0" sz="900">
-                <a:solidFill>
-                  <a:srgbClr val="C41A16"/>
-                </a:solidFill>
-                <a:latin typeface="Menlo"/>
-                <a:ea typeface="Menlo"/>
-                <a:cs typeface="Menlo"/>
-                <a:sym typeface="Menlo"/>
+              <a:defRPr b="0" sz="1600">
+                <a:solidFill>
+                  <a:srgbClr val="5C2699"/>
+                </a:solidFill>
+                <a:latin typeface="Arial"/>
+                <a:ea typeface="Arial"/>
+                <a:cs typeface="Arial"/>
+                <a:sym typeface="Arial"/>
               </a:defRPr>
             </a:pPr>
             <a:r>
@@ -34758,9 +34718,9 @@
             </a:endParaRPr>
           </a:p>
           <a:p>
-            <a:pPr marL="457200" indent="-317500" defTabSz="457200">
+            <a:pPr marL="704144" indent="-564444" defTabSz="457200">
               <a:lnSpc>
-                <a:spcPts val="2300"/>
+                <a:spcPts val="2500"/>
               </a:lnSpc>
               <a:spcBef>
                 <a:spcPts val="0"/>
@@ -34771,14 +34731,14 @@
               <a:buSzPct val="100000"/>
               <a:buFont typeface="Menlo"/>
               <a:buChar char="•"/>
-              <a:defRPr b="0" sz="900">
-                <a:solidFill>
-                  <a:srgbClr val="C41A16"/>
-                </a:solidFill>
-                <a:latin typeface="Menlo"/>
-                <a:ea typeface="Menlo"/>
-                <a:cs typeface="Menlo"/>
-                <a:sym typeface="Menlo"/>
+              <a:defRPr b="0" sz="1600">
+                <a:solidFill>
+                  <a:srgbClr val="5C2699"/>
+                </a:solidFill>
+                <a:latin typeface="Arial"/>
+                <a:ea typeface="Arial"/>
+                <a:cs typeface="Arial"/>
+                <a:sym typeface="Arial"/>
               </a:defRPr>
             </a:pPr>
             <a:r>
@@ -34866,9 +34826,9 @@
             </a:endParaRPr>
           </a:p>
           <a:p>
-            <a:pPr marL="457200" indent="-317500" defTabSz="457200">
+            <a:pPr marL="704144" indent="-564444" defTabSz="457200">
               <a:lnSpc>
-                <a:spcPts val="2300"/>
+                <a:spcPts val="2500"/>
               </a:lnSpc>
               <a:spcBef>
                 <a:spcPts val="0"/>
@@ -34879,14 +34839,14 @@
               <a:buSzPct val="100000"/>
               <a:buFont typeface="Menlo"/>
               <a:buChar char="•"/>
-              <a:defRPr b="0" sz="900">
-                <a:solidFill>
-                  <a:srgbClr val="C41A16"/>
-                </a:solidFill>
-                <a:latin typeface="Menlo"/>
-                <a:ea typeface="Menlo"/>
-                <a:cs typeface="Menlo"/>
-                <a:sym typeface="Menlo"/>
+              <a:defRPr b="0" sz="1600">
+                <a:solidFill>
+                  <a:srgbClr val="5C2699"/>
+                </a:solidFill>
+                <a:latin typeface="Arial"/>
+                <a:ea typeface="Arial"/>
+                <a:cs typeface="Arial"/>
+                <a:sym typeface="Arial"/>
               </a:defRPr>
             </a:pPr>
             <a:r>
@@ -34974,9 +34934,9 @@
             </a:endParaRPr>
           </a:p>
           <a:p>
-            <a:pPr marL="457200" indent="-317500" defTabSz="457200">
+            <a:pPr marL="704144" indent="-564444" defTabSz="457200">
               <a:lnSpc>
-                <a:spcPts val="2300"/>
+                <a:spcPts val="2500"/>
               </a:lnSpc>
               <a:spcBef>
                 <a:spcPts val="0"/>
@@ -34987,14 +34947,14 @@
               <a:buSzPct val="100000"/>
               <a:buFont typeface="Menlo"/>
               <a:buChar char="•"/>
-              <a:defRPr b="0" sz="900">
-                <a:solidFill>
-                  <a:srgbClr val="C41A16"/>
-                </a:solidFill>
-                <a:latin typeface="Menlo"/>
-                <a:ea typeface="Menlo"/>
-                <a:cs typeface="Menlo"/>
-                <a:sym typeface="Menlo"/>
+              <a:defRPr b="0" sz="1600">
+                <a:solidFill>
+                  <a:srgbClr val="5C2699"/>
+                </a:solidFill>
+                <a:latin typeface="Arial"/>
+                <a:ea typeface="Arial"/>
+                <a:cs typeface="Arial"/>
+                <a:sym typeface="Arial"/>
               </a:defRPr>
             </a:pPr>
             <a:r>
@@ -35082,9 +35042,9 @@
             </a:endParaRPr>
           </a:p>
           <a:p>
-            <a:pPr marL="457200" indent="-317500" defTabSz="457200">
+            <a:pPr marL="704144" indent="-564444" defTabSz="457200">
               <a:lnSpc>
-                <a:spcPts val="2300"/>
+                <a:spcPts val="2500"/>
               </a:lnSpc>
               <a:spcBef>
                 <a:spcPts val="0"/>
@@ -35095,14 +35055,14 @@
               <a:buSzPct val="100000"/>
               <a:buFont typeface="Menlo"/>
               <a:buChar char="•"/>
-              <a:defRPr b="0" sz="900">
-                <a:solidFill>
-                  <a:srgbClr val="333333"/>
-                </a:solidFill>
-                <a:latin typeface="Menlo"/>
-                <a:ea typeface="Menlo"/>
-                <a:cs typeface="Menlo"/>
-                <a:sym typeface="Menlo"/>
+              <a:defRPr b="0" sz="1600">
+                <a:solidFill>
+                  <a:srgbClr val="5C2699"/>
+                </a:solidFill>
+                <a:latin typeface="Arial"/>
+                <a:ea typeface="Arial"/>
+                <a:cs typeface="Arial"/>
+                <a:sym typeface="Arial"/>
               </a:defRPr>
             </a:pPr>
             <a:r>
@@ -35110,9 +35070,9 @@
             </a:r>
           </a:p>
           <a:p>
-            <a:pPr marL="457200" indent="-317500" defTabSz="457200">
+            <a:pPr marL="704144" indent="-564444" defTabSz="457200">
               <a:lnSpc>
-                <a:spcPts val="2300"/>
+                <a:spcPts val="2500"/>
               </a:lnSpc>
               <a:spcBef>
                 <a:spcPts val="0"/>
@@ -35123,14 +35083,14 @@
               <a:buSzPct val="100000"/>
               <a:buFont typeface="Menlo"/>
               <a:buChar char="•"/>
-              <a:defRPr b="0" sz="900">
-                <a:solidFill>
-                  <a:srgbClr val="007400"/>
-                </a:solidFill>
-                <a:latin typeface="Menlo"/>
-                <a:ea typeface="Menlo"/>
-                <a:cs typeface="Menlo"/>
-                <a:sym typeface="Menlo"/>
+              <a:defRPr b="0" sz="1600">
+                <a:solidFill>
+                  <a:srgbClr val="5C2699"/>
+                </a:solidFill>
+                <a:latin typeface="Arial"/>
+                <a:ea typeface="Arial"/>
+                <a:cs typeface="Arial"/>
+                <a:sym typeface="Arial"/>
               </a:defRPr>
             </a:pPr>
             <a:r>
@@ -35283,7 +35243,7 @@
         <p:spPr>
           <a:xfrm>
             <a:off x="615302" y="1127253"/>
-            <a:ext cx="5791235" cy="2364741"/>
+            <a:ext cx="5420782" cy="2884565"/>
           </a:xfrm>
           <a:prstGeom prst="rect">
             <a:avLst/>
@@ -35303,9 +35263,9 @@
           </a:bodyPr>
           <a:lstStyle/>
           <a:p>
-            <a:pPr marL="457200" indent="-317500" defTabSz="457200">
+            <a:pPr marL="527755" indent="-388055" defTabSz="457200">
               <a:lnSpc>
-                <a:spcPts val="2300"/>
+                <a:spcPts val="1700"/>
               </a:lnSpc>
               <a:spcBef>
                 <a:spcPts val="0"/>
@@ -35316,14 +35276,14 @@
               <a:buSzPct val="100000"/>
               <a:buFont typeface="Menlo"/>
               <a:buChar char="•"/>
-              <a:defRPr b="0" sz="900">
-                <a:solidFill>
-                  <a:srgbClr val="3F6E74"/>
-                </a:solidFill>
-                <a:latin typeface="Menlo"/>
-                <a:ea typeface="Menlo"/>
-                <a:cs typeface="Menlo"/>
-                <a:sym typeface="Menlo"/>
+              <a:defRPr b="0" sz="1100">
+                <a:solidFill>
+                  <a:srgbClr val="5C2699"/>
+                </a:solidFill>
+                <a:latin typeface="Arial"/>
+                <a:ea typeface="Arial"/>
+                <a:cs typeface="Arial"/>
+                <a:sym typeface="Arial"/>
               </a:defRPr>
             </a:pPr>
             <a:r>
@@ -35368,9 +35328,9 @@
             </a:endParaRPr>
           </a:p>
           <a:p>
-            <a:pPr marL="457200" indent="-317500" defTabSz="457200">
+            <a:pPr marL="527755" indent="-388055" defTabSz="457200">
               <a:lnSpc>
-                <a:spcPts val="2300"/>
+                <a:spcPts val="1700"/>
               </a:lnSpc>
               <a:spcBef>
                 <a:spcPts val="0"/>
@@ -35381,14 +35341,14 @@
               <a:buSzPct val="100000"/>
               <a:buFont typeface="Menlo"/>
               <a:buChar char="•"/>
-              <a:defRPr b="0" sz="900">
-                <a:solidFill>
-                  <a:srgbClr val="3F6E74"/>
-                </a:solidFill>
-                <a:latin typeface="Menlo"/>
-                <a:ea typeface="Menlo"/>
-                <a:cs typeface="Menlo"/>
-                <a:sym typeface="Menlo"/>
+              <a:defRPr b="0" sz="1100">
+                <a:solidFill>
+                  <a:srgbClr val="5C2699"/>
+                </a:solidFill>
+                <a:latin typeface="Arial"/>
+                <a:ea typeface="Arial"/>
+                <a:cs typeface="Arial"/>
+                <a:sym typeface="Arial"/>
               </a:defRPr>
             </a:pPr>
             <a:r>
@@ -35433,9 +35393,9 @@
             </a:endParaRPr>
           </a:p>
           <a:p>
-            <a:pPr marL="457200" indent="-317500" defTabSz="457200">
+            <a:pPr marL="527755" indent="-388055" defTabSz="457200">
               <a:lnSpc>
-                <a:spcPts val="2300"/>
+                <a:spcPts val="1700"/>
               </a:lnSpc>
               <a:spcBef>
                 <a:spcPts val="0"/>
@@ -35446,21 +35406,21 @@
               <a:buSzPct val="100000"/>
               <a:buFont typeface="Menlo"/>
               <a:buChar char="•"/>
-              <a:defRPr b="0" sz="900">
-                <a:solidFill>
-                  <a:srgbClr val="333333"/>
-                </a:solidFill>
-                <a:latin typeface="Menlo"/>
-                <a:ea typeface="Menlo"/>
-                <a:cs typeface="Menlo"/>
-                <a:sym typeface="Menlo"/>
+              <a:defRPr b="0" sz="1100">
+                <a:solidFill>
+                  <a:srgbClr val="5C2699"/>
+                </a:solidFill>
+                <a:latin typeface="Arial"/>
+                <a:ea typeface="Arial"/>
+                <a:cs typeface="Arial"/>
+                <a:sym typeface="Arial"/>
               </a:defRPr>
             </a:pPr>
           </a:p>
           <a:p>
-            <a:pPr marL="457200" indent="-317500" defTabSz="457200">
+            <a:pPr marL="527755" indent="-388055" defTabSz="457200">
               <a:lnSpc>
-                <a:spcPts val="2300"/>
+                <a:spcPts val="1700"/>
               </a:lnSpc>
               <a:spcBef>
                 <a:spcPts val="0"/>
@@ -35471,14 +35431,14 @@
               <a:buSzPct val="100000"/>
               <a:buFont typeface="Menlo"/>
               <a:buChar char="•"/>
-              <a:defRPr b="0" sz="900">
-                <a:solidFill>
-                  <a:srgbClr val="3F6E74"/>
-                </a:solidFill>
-                <a:latin typeface="Menlo"/>
-                <a:ea typeface="Menlo"/>
-                <a:cs typeface="Menlo"/>
-                <a:sym typeface="Menlo"/>
+              <a:defRPr b="0" sz="1100">
+                <a:solidFill>
+                  <a:srgbClr val="5C2699"/>
+                </a:solidFill>
+                <a:latin typeface="Arial"/>
+                <a:ea typeface="Arial"/>
+                <a:cs typeface="Arial"/>
+                <a:sym typeface="Arial"/>
               </a:defRPr>
             </a:pPr>
             <a:r>
@@ -35542,9 +35502,9 @@
             </a:endParaRPr>
           </a:p>
           <a:p>
-            <a:pPr marL="457200" indent="-317500" defTabSz="457200">
+            <a:pPr marL="527755" indent="-388055" defTabSz="457200">
               <a:lnSpc>
-                <a:spcPts val="2300"/>
+                <a:spcPts val="1700"/>
               </a:lnSpc>
               <a:spcBef>
                 <a:spcPts val="0"/>
@@ -35555,14 +35515,14 @@
               <a:buSzPct val="100000"/>
               <a:buFont typeface="Menlo"/>
               <a:buChar char="•"/>
-              <a:defRPr b="0" sz="900">
-                <a:solidFill>
-                  <a:srgbClr val="333333"/>
-                </a:solidFill>
-                <a:latin typeface="Menlo"/>
-                <a:ea typeface="Menlo"/>
-                <a:cs typeface="Menlo"/>
-                <a:sym typeface="Menlo"/>
+              <a:defRPr b="0" sz="1100">
+                <a:solidFill>
+                  <a:srgbClr val="5C2699"/>
+                </a:solidFill>
+                <a:latin typeface="Arial"/>
+                <a:ea typeface="Arial"/>
+                <a:cs typeface="Arial"/>
+                <a:sym typeface="Arial"/>
               </a:defRPr>
             </a:pPr>
             <a:r>
@@ -35602,11 +35562,6 @@
               <a:t> </a:t>
             </a:r>
             <a:r>
-              <a:rPr>
-                <a:solidFill>
-                  <a:srgbClr val="5C2699"/>
-                </a:solidFill>
-              </a:rPr>
               <a:t>Movie</a:t>
             </a:r>
             <a:r>
@@ -35614,9 +35569,9 @@
             </a:r>
           </a:p>
           <a:p>
-            <a:pPr marL="457200" indent="-317500" defTabSz="457200">
+            <a:pPr marL="527755" indent="-388055" defTabSz="457200">
               <a:lnSpc>
-                <a:spcPts val="2300"/>
+                <a:spcPts val="1700"/>
               </a:lnSpc>
               <a:spcBef>
                 <a:spcPts val="0"/>
@@ -35627,14 +35582,14 @@
               <a:buSzPct val="100000"/>
               <a:buFont typeface="Menlo"/>
               <a:buChar char="•"/>
-              <a:defRPr b="0" sz="900">
-                <a:solidFill>
-                  <a:srgbClr val="333333"/>
-                </a:solidFill>
-                <a:latin typeface="Menlo"/>
-                <a:ea typeface="Menlo"/>
-                <a:cs typeface="Menlo"/>
-                <a:sym typeface="Menlo"/>
+              <a:defRPr b="0" sz="1100">
+                <a:solidFill>
+                  <a:srgbClr val="5C2699"/>
+                </a:solidFill>
+                <a:latin typeface="Arial"/>
+                <a:ea typeface="Arial"/>
+                <a:cs typeface="Arial"/>
+                <a:sym typeface="Arial"/>
               </a:defRPr>
             </a:pPr>
             <a:r>
@@ -35661,9 +35616,9 @@
             </a:r>
           </a:p>
           <a:p>
-            <a:pPr marL="457200" indent="-317500" defTabSz="457200">
+            <a:pPr marL="527755" indent="-388055" defTabSz="457200">
               <a:lnSpc>
-                <a:spcPts val="2300"/>
+                <a:spcPts val="1700"/>
               </a:lnSpc>
               <a:spcBef>
                 <a:spcPts val="0"/>
@@ -35674,14 +35629,14 @@
               <a:buSzPct val="100000"/>
               <a:buFont typeface="Menlo"/>
               <a:buChar char="•"/>
-              <a:defRPr b="0" sz="900">
-                <a:solidFill>
-                  <a:srgbClr val="333333"/>
-                </a:solidFill>
-                <a:latin typeface="Menlo"/>
-                <a:ea typeface="Menlo"/>
-                <a:cs typeface="Menlo"/>
-                <a:sym typeface="Menlo"/>
+              <a:defRPr b="0" sz="1100">
+                <a:solidFill>
+                  <a:srgbClr val="5C2699"/>
+                </a:solidFill>
+                <a:latin typeface="Arial"/>
+                <a:ea typeface="Arial"/>
+                <a:cs typeface="Arial"/>
+                <a:sym typeface="Arial"/>
               </a:defRPr>
             </a:pPr>
             <a:r>
@@ -35732,11 +35687,6 @@
               <a:t> </a:t>
             </a:r>
             <a:r>
-              <a:rPr>
-                <a:solidFill>
-                  <a:srgbClr val="5C2699"/>
-                </a:solidFill>
-              </a:rPr>
               <a:t>Song</a:t>
             </a:r>
             <a:r>
@@ -35744,9 +35694,9 @@
             </a:r>
           </a:p>
           <a:p>
-            <a:pPr marL="457200" indent="-317500" defTabSz="457200">
+            <a:pPr marL="527755" indent="-388055" defTabSz="457200">
               <a:lnSpc>
-                <a:spcPts val="2300"/>
+                <a:spcPts val="1700"/>
               </a:lnSpc>
               <a:spcBef>
                 <a:spcPts val="0"/>
@@ -35757,14 +35707,14 @@
               <a:buSzPct val="100000"/>
               <a:buFont typeface="Menlo"/>
               <a:buChar char="•"/>
-              <a:defRPr b="0" sz="900">
-                <a:solidFill>
-                  <a:srgbClr val="333333"/>
-                </a:solidFill>
-                <a:latin typeface="Menlo"/>
-                <a:ea typeface="Menlo"/>
-                <a:cs typeface="Menlo"/>
-                <a:sym typeface="Menlo"/>
+              <a:defRPr b="0" sz="1100">
+                <a:solidFill>
+                  <a:srgbClr val="5C2699"/>
+                </a:solidFill>
+                <a:latin typeface="Arial"/>
+                <a:ea typeface="Arial"/>
+                <a:cs typeface="Arial"/>
+                <a:sym typeface="Arial"/>
               </a:defRPr>
             </a:pPr>
             <a:r>
@@ -35791,9 +35741,9 @@
             </a:r>
           </a:p>
           <a:p>
-            <a:pPr marL="457200" indent="-317500" defTabSz="457200">
+            <a:pPr marL="527755" indent="-388055" defTabSz="457200">
               <a:lnSpc>
-                <a:spcPts val="2300"/>
+                <a:spcPts val="1700"/>
               </a:lnSpc>
               <a:spcBef>
                 <a:spcPts val="0"/>
@@ -35804,14 +35754,14 @@
               <a:buSzPct val="100000"/>
               <a:buFont typeface="Menlo"/>
               <a:buChar char="•"/>
-              <a:defRPr b="0" sz="900">
-                <a:solidFill>
-                  <a:srgbClr val="333333"/>
-                </a:solidFill>
-                <a:latin typeface="Menlo"/>
-                <a:ea typeface="Menlo"/>
-                <a:cs typeface="Menlo"/>
-                <a:sym typeface="Menlo"/>
+              <a:defRPr b="0" sz="1100">
+                <a:solidFill>
+                  <a:srgbClr val="5C2699"/>
+                </a:solidFill>
+                <a:latin typeface="Arial"/>
+                <a:ea typeface="Arial"/>
+                <a:cs typeface="Arial"/>
+                <a:sym typeface="Arial"/>
               </a:defRPr>
             </a:pPr>
             <a:r>
@@ -35819,9 +35769,9 @@
             </a:r>
           </a:p>
           <a:p>
-            <a:pPr marL="457200" indent="-317500" defTabSz="457200">
+            <a:pPr marL="527755" indent="-388055" defTabSz="457200">
               <a:lnSpc>
-                <a:spcPts val="2300"/>
+                <a:spcPts val="1700"/>
               </a:lnSpc>
               <a:spcBef>
                 <a:spcPts val="0"/>
@@ -35832,14 +35782,14 @@
               <a:buSzPct val="100000"/>
               <a:buFont typeface="Menlo"/>
               <a:buChar char="•"/>
-              <a:defRPr b="0" sz="900">
-                <a:solidFill>
-                  <a:srgbClr val="333333"/>
-                </a:solidFill>
-                <a:latin typeface="Menlo"/>
-                <a:ea typeface="Menlo"/>
-                <a:cs typeface="Menlo"/>
-                <a:sym typeface="Menlo"/>
+              <a:defRPr b="0" sz="1100">
+                <a:solidFill>
+                  <a:srgbClr val="5C2699"/>
+                </a:solidFill>
+                <a:latin typeface="Arial"/>
+                <a:ea typeface="Arial"/>
+                <a:cs typeface="Arial"/>
+                <a:sym typeface="Arial"/>
               </a:defRPr>
             </a:pPr>
             <a:r>
@@ -35847,9 +35797,9 @@
             </a:r>
           </a:p>
           <a:p>
-            <a:pPr marL="457200" indent="-317500" defTabSz="457200">
+            <a:pPr marL="527755" indent="-388055" defTabSz="457200">
               <a:lnSpc>
-                <a:spcPts val="2300"/>
+                <a:spcPts val="1700"/>
               </a:lnSpc>
               <a:spcBef>
                 <a:spcPts val="0"/>
@@ -35860,21 +35810,21 @@
               <a:buSzPct val="100000"/>
               <a:buFont typeface="Menlo"/>
               <a:buChar char="•"/>
-              <a:defRPr b="0" sz="900">
-                <a:solidFill>
-                  <a:srgbClr val="333333"/>
-                </a:solidFill>
-                <a:latin typeface="Menlo"/>
-                <a:ea typeface="Menlo"/>
-                <a:cs typeface="Menlo"/>
-                <a:sym typeface="Menlo"/>
+              <a:defRPr b="0" sz="1100">
+                <a:solidFill>
+                  <a:srgbClr val="5C2699"/>
+                </a:solidFill>
+                <a:latin typeface="Arial"/>
+                <a:ea typeface="Arial"/>
+                <a:cs typeface="Arial"/>
+                <a:sym typeface="Arial"/>
               </a:defRPr>
             </a:pPr>
           </a:p>
           <a:p>
-            <a:pPr marL="457200" indent="-317500" defTabSz="457200">
+            <a:pPr marL="527755" indent="-388055" defTabSz="457200">
               <a:lnSpc>
-                <a:spcPts val="2300"/>
+                <a:spcPts val="1700"/>
               </a:lnSpc>
               <a:spcBef>
                 <a:spcPts val="0"/>
@@ -35885,14 +35835,14 @@
               <a:buSzPct val="100000"/>
               <a:buFont typeface="Menlo"/>
               <a:buChar char="•"/>
-              <a:defRPr b="0" sz="900">
-                <a:solidFill>
-                  <a:srgbClr val="C41A16"/>
-                </a:solidFill>
-                <a:latin typeface="Menlo"/>
-                <a:ea typeface="Menlo"/>
-                <a:cs typeface="Menlo"/>
-                <a:sym typeface="Menlo"/>
+              <a:defRPr b="0" sz="1100">
+                <a:solidFill>
+                  <a:srgbClr val="5C2699"/>
+                </a:solidFill>
+                <a:latin typeface="Arial"/>
+                <a:ea typeface="Arial"/>
+                <a:cs typeface="Arial"/>
+                <a:sym typeface="Arial"/>
               </a:defRPr>
             </a:pPr>
             <a:r>
@@ -35983,9 +35933,9 @@
             </a:endParaRPr>
           </a:p>
           <a:p>
-            <a:pPr marL="457200" indent="-317500" defTabSz="457200">
+            <a:pPr marL="527755" indent="-388055" defTabSz="457200">
               <a:lnSpc>
-                <a:spcPts val="2300"/>
+                <a:spcPts val="1700"/>
               </a:lnSpc>
               <a:spcBef>
                 <a:spcPts val="0"/>
@@ -35996,24 +35946,19 @@
               <a:buSzPct val="100000"/>
               <a:buFont typeface="Menlo"/>
               <a:buChar char="•"/>
-              <a:defRPr b="0" sz="900">
-                <a:solidFill>
-                  <a:srgbClr val="007400"/>
-                </a:solidFill>
-                <a:latin typeface="Menlo"/>
-                <a:ea typeface="Menlo"/>
-                <a:cs typeface="Menlo"/>
-                <a:sym typeface="Menlo"/>
+              <a:defRPr b="0" sz="1100">
+                <a:solidFill>
+                  <a:srgbClr val="5C2699"/>
+                </a:solidFill>
+                <a:latin typeface="Arial"/>
+                <a:ea typeface="Arial"/>
+                <a:cs typeface="Arial"/>
+                <a:sym typeface="Arial"/>
               </a:defRPr>
             </a:pPr>
             <a:r>
               <a:t>// Prints "Media library contains 2 movies and 3 songs"</a:t>
             </a:r>
-            <a:endParaRPr>
-              <a:solidFill>
-                <a:srgbClr val="333333"/>
-              </a:solidFill>
-            </a:endParaRPr>
           </a:p>
         </p:txBody>
       </p:sp>
@@ -36161,7 +36106,7 @@
         <p:spPr>
           <a:xfrm>
             <a:off x="615302" y="1127253"/>
-            <a:ext cx="7198108" cy="2001521"/>
+            <a:ext cx="5651475" cy="2293502"/>
           </a:xfrm>
           <a:prstGeom prst="rect">
             <a:avLst/>
@@ -36181,9 +36126,9 @@
           </a:bodyPr>
           <a:lstStyle/>
           <a:p>
-            <a:pPr marL="457200" indent="-317500" defTabSz="457200">
+            <a:pPr marL="502557" indent="-362857" defTabSz="457200">
               <a:lnSpc>
-                <a:spcPts val="3900"/>
+                <a:spcPts val="2500"/>
               </a:lnSpc>
               <a:spcBef>
                 <a:spcPts val="0"/>
@@ -36194,14 +36139,14 @@
               <a:buSzPct val="100000"/>
               <a:buFont typeface="Menlo"/>
               <a:buChar char="•"/>
-              <a:defRPr b="0">
-                <a:solidFill>
-                  <a:srgbClr val="3F6E74"/>
-                </a:solidFill>
-                <a:latin typeface="Menlo"/>
-                <a:ea typeface="Menlo"/>
-                <a:cs typeface="Menlo"/>
-                <a:sym typeface="Menlo"/>
+              <a:defRPr b="0" sz="1600">
+                <a:solidFill>
+                  <a:srgbClr val="5C2699"/>
+                </a:solidFill>
+                <a:latin typeface="Arial"/>
+                <a:ea typeface="Arial"/>
+                <a:cs typeface="Arial"/>
+                <a:sym typeface="Arial"/>
               </a:defRPr>
             </a:pPr>
             <a:r>
@@ -36265,9 +36210,9 @@
             </a:endParaRPr>
           </a:p>
           <a:p>
-            <a:pPr marL="457200" indent="-317500" defTabSz="457200">
+            <a:pPr marL="502557" indent="-362857" defTabSz="457200">
               <a:lnSpc>
-                <a:spcPts val="3900"/>
+                <a:spcPts val="2500"/>
               </a:lnSpc>
               <a:spcBef>
                 <a:spcPts val="0"/>
@@ -36278,14 +36223,14 @@
               <a:buSzPct val="100000"/>
               <a:buFont typeface="Menlo"/>
               <a:buChar char="•"/>
-              <a:defRPr b="0">
-                <a:solidFill>
-                  <a:srgbClr val="333333"/>
-                </a:solidFill>
-                <a:latin typeface="Menlo"/>
-                <a:ea typeface="Menlo"/>
-                <a:cs typeface="Menlo"/>
-                <a:sym typeface="Menlo"/>
+              <a:defRPr b="0" sz="1600">
+                <a:solidFill>
+                  <a:srgbClr val="5C2699"/>
+                </a:solidFill>
+                <a:latin typeface="Arial"/>
+                <a:ea typeface="Arial"/>
+                <a:cs typeface="Arial"/>
+                <a:sym typeface="Arial"/>
               </a:defRPr>
             </a:pPr>
             <a:r>
@@ -36347,11 +36292,6 @@
               <a:t>? </a:t>
             </a:r>
             <a:r>
-              <a:rPr>
-                <a:solidFill>
-                  <a:srgbClr val="5C2699"/>
-                </a:solidFill>
-              </a:rPr>
               <a:t>Movie</a:t>
             </a:r>
             <a:r>
@@ -36359,9 +36299,9 @@
             </a:r>
           </a:p>
           <a:p>
-            <a:pPr marL="457200" indent="-317500" defTabSz="457200">
+            <a:pPr marL="502557" indent="-362857" defTabSz="457200">
               <a:lnSpc>
-                <a:spcPts val="3900"/>
+                <a:spcPts val="2500"/>
               </a:lnSpc>
               <a:spcBef>
                 <a:spcPts val="0"/>
@@ -36372,14 +36312,14 @@
               <a:buSzPct val="100000"/>
               <a:buFont typeface="Menlo"/>
               <a:buChar char="•"/>
-              <a:defRPr b="0">
-                <a:solidFill>
-                  <a:srgbClr val="333333"/>
-                </a:solidFill>
-                <a:latin typeface="Menlo"/>
-                <a:ea typeface="Menlo"/>
-                <a:cs typeface="Menlo"/>
-                <a:sym typeface="Menlo"/>
+              <a:defRPr b="0" sz="1600">
+                <a:solidFill>
+                  <a:srgbClr val="5C2699"/>
+                </a:solidFill>
+                <a:latin typeface="Arial"/>
+                <a:ea typeface="Arial"/>
+                <a:cs typeface="Arial"/>
+                <a:sym typeface="Arial"/>
               </a:defRPr>
             </a:pPr>
             <a:r>
@@ -36475,9 +36415,9 @@
             </a:r>
           </a:p>
           <a:p>
-            <a:pPr marL="457200" indent="-317500" defTabSz="457200">
+            <a:pPr marL="502557" indent="-362857" defTabSz="457200">
               <a:lnSpc>
-                <a:spcPts val="3900"/>
+                <a:spcPts val="2500"/>
               </a:lnSpc>
               <a:spcBef>
                 <a:spcPts val="0"/>
@@ -36488,14 +36428,14 @@
               <a:buSzPct val="100000"/>
               <a:buFont typeface="Menlo"/>
               <a:buChar char="•"/>
-              <a:defRPr b="0">
-                <a:solidFill>
-                  <a:srgbClr val="333333"/>
-                </a:solidFill>
-                <a:latin typeface="Menlo"/>
-                <a:ea typeface="Menlo"/>
-                <a:cs typeface="Menlo"/>
-                <a:sym typeface="Menlo"/>
+              <a:defRPr b="0" sz="1600">
+                <a:solidFill>
+                  <a:srgbClr val="5C2699"/>
+                </a:solidFill>
+                <a:latin typeface="Arial"/>
+                <a:ea typeface="Arial"/>
+                <a:cs typeface="Arial"/>
+                <a:sym typeface="Arial"/>
               </a:defRPr>
             </a:pPr>
             <a:r>
@@ -36568,11 +36508,6 @@
               <a:t>? </a:t>
             </a:r>
             <a:r>
-              <a:rPr>
-                <a:solidFill>
-                  <a:srgbClr val="5C2699"/>
-                </a:solidFill>
-              </a:rPr>
               <a:t>Song</a:t>
             </a:r>
             <a:r>
@@ -36580,9 +36515,9 @@
             </a:r>
           </a:p>
           <a:p>
-            <a:pPr marL="457200" indent="-317500" defTabSz="457200">
+            <a:pPr marL="502557" indent="-362857" defTabSz="457200">
               <a:lnSpc>
-                <a:spcPts val="3900"/>
+                <a:spcPts val="2500"/>
               </a:lnSpc>
               <a:spcBef>
                 <a:spcPts val="0"/>
@@ -36593,14 +36528,14 @@
               <a:buSzPct val="100000"/>
               <a:buFont typeface="Menlo"/>
               <a:buChar char="•"/>
-              <a:defRPr b="0">
-                <a:solidFill>
-                  <a:srgbClr val="333333"/>
-                </a:solidFill>
-                <a:latin typeface="Menlo"/>
-                <a:ea typeface="Menlo"/>
-                <a:cs typeface="Menlo"/>
-                <a:sym typeface="Menlo"/>
+              <a:defRPr b="0" sz="1600">
+                <a:solidFill>
+                  <a:srgbClr val="5C2699"/>
+                </a:solidFill>
+                <a:latin typeface="Arial"/>
+                <a:ea typeface="Arial"/>
+                <a:cs typeface="Arial"/>
+                <a:sym typeface="Arial"/>
               </a:defRPr>
             </a:pPr>
             <a:r>
@@ -36696,9 +36631,9 @@
             </a:r>
           </a:p>
           <a:p>
-            <a:pPr marL="457200" indent="-317500" defTabSz="457200">
+            <a:pPr marL="502557" indent="-362857" defTabSz="457200">
               <a:lnSpc>
-                <a:spcPts val="3900"/>
+                <a:spcPts val="2500"/>
               </a:lnSpc>
               <a:spcBef>
                 <a:spcPts val="0"/>
@@ -36709,14 +36644,14 @@
               <a:buSzPct val="100000"/>
               <a:buFont typeface="Menlo"/>
               <a:buChar char="•"/>
-              <a:defRPr b="0">
-                <a:solidFill>
-                  <a:srgbClr val="333333"/>
-                </a:solidFill>
-                <a:latin typeface="Menlo"/>
-                <a:ea typeface="Menlo"/>
-                <a:cs typeface="Menlo"/>
-                <a:sym typeface="Menlo"/>
+              <a:defRPr b="0" sz="1600">
+                <a:solidFill>
+                  <a:srgbClr val="5C2699"/>
+                </a:solidFill>
+                <a:latin typeface="Arial"/>
+                <a:ea typeface="Arial"/>
+                <a:cs typeface="Arial"/>
+                <a:sym typeface="Arial"/>
               </a:defRPr>
             </a:pPr>
             <a:r>
@@ -36724,9 +36659,9 @@
             </a:r>
           </a:p>
           <a:p>
-            <a:pPr marL="457200" indent="-317500" defTabSz="457200">
+            <a:pPr marL="502557" indent="-362857" defTabSz="457200">
               <a:lnSpc>
-                <a:spcPts val="3900"/>
+                <a:spcPts val="2500"/>
               </a:lnSpc>
               <a:spcBef>
                 <a:spcPts val="0"/>
@@ -36737,14 +36672,14 @@
               <a:buSzPct val="100000"/>
               <a:buFont typeface="Menlo"/>
               <a:buChar char="•"/>
-              <a:defRPr b="0">
-                <a:solidFill>
-                  <a:srgbClr val="333333"/>
-                </a:solidFill>
-                <a:latin typeface="Menlo"/>
-                <a:ea typeface="Menlo"/>
-                <a:cs typeface="Menlo"/>
-                <a:sym typeface="Menlo"/>
+              <a:defRPr b="0" sz="1600">
+                <a:solidFill>
+                  <a:srgbClr val="5C2699"/>
+                </a:solidFill>
+                <a:latin typeface="Arial"/>
+                <a:ea typeface="Arial"/>
+                <a:cs typeface="Arial"/>
+                <a:sym typeface="Arial"/>
               </a:defRPr>
             </a:pPr>
             <a:r>
@@ -36897,7 +36832,7 @@
         <p:spPr>
           <a:xfrm>
             <a:off x="615302" y="1127253"/>
-            <a:ext cx="7947420" cy="2854961"/>
+            <a:ext cx="6971382" cy="3246002"/>
           </a:xfrm>
           <a:prstGeom prst="rect">
             <a:avLst/>
@@ -36917,9 +36852,9 @@
           </a:bodyPr>
           <a:lstStyle/>
           <a:p>
-            <a:pPr marL="457200" indent="-317500" defTabSz="457200">
+            <a:pPr marL="502557" indent="-362857" defTabSz="457200">
               <a:lnSpc>
-                <a:spcPts val="3900"/>
+                <a:spcPts val="2500"/>
               </a:lnSpc>
               <a:spcBef>
                 <a:spcPts val="0"/>
@@ -36930,14 +36865,14 @@
               <a:buSzPct val="100000"/>
               <a:buFont typeface="Menlo"/>
               <a:buChar char="•"/>
-              <a:defRPr b="0">
-                <a:solidFill>
-                  <a:srgbClr val="AA0D91"/>
-                </a:solidFill>
-                <a:latin typeface="Menlo"/>
-                <a:ea typeface="Menlo"/>
-                <a:cs typeface="Menlo"/>
-                <a:sym typeface="Menlo"/>
+              <a:defRPr b="0" sz="1600">
+                <a:solidFill>
+                  <a:srgbClr val="5C2699"/>
+                </a:solidFill>
+                <a:latin typeface="Arial"/>
+                <a:ea typeface="Arial"/>
+                <a:cs typeface="Arial"/>
+                <a:sym typeface="Arial"/>
               </a:defRPr>
             </a:pPr>
             <a:r>
@@ -36985,9 +36920,9 @@
             </a:endParaRPr>
           </a:p>
           <a:p>
-            <a:pPr marL="457200" indent="-317500" defTabSz="457200">
+            <a:pPr marL="502557" indent="-362857" defTabSz="457200">
               <a:lnSpc>
-                <a:spcPts val="3900"/>
+                <a:spcPts val="2500"/>
               </a:lnSpc>
               <a:spcBef>
                 <a:spcPts val="0"/>
@@ -36998,21 +36933,21 @@
               <a:buSzPct val="100000"/>
               <a:buFont typeface="Menlo"/>
               <a:buChar char="•"/>
-              <a:defRPr b="0">
-                <a:solidFill>
-                  <a:srgbClr val="333333"/>
-                </a:solidFill>
-                <a:latin typeface="Menlo"/>
-                <a:ea typeface="Menlo"/>
-                <a:cs typeface="Menlo"/>
-                <a:sym typeface="Menlo"/>
+              <a:defRPr b="0" sz="1600">
+                <a:solidFill>
+                  <a:srgbClr val="5C2699"/>
+                </a:solidFill>
+                <a:latin typeface="Arial"/>
+                <a:ea typeface="Arial"/>
+                <a:cs typeface="Arial"/>
+                <a:sym typeface="Arial"/>
               </a:defRPr>
             </a:pPr>
           </a:p>
           <a:p>
-            <a:pPr marL="457200" indent="-317500" defTabSz="457200">
+            <a:pPr marL="502557" indent="-362857" defTabSz="457200">
               <a:lnSpc>
-                <a:spcPts val="3900"/>
+                <a:spcPts val="2500"/>
               </a:lnSpc>
               <a:spcBef>
                 <a:spcPts val="0"/>
@@ -37023,14 +36958,14 @@
               <a:buSzPct val="100000"/>
               <a:buFont typeface="Menlo"/>
               <a:buChar char="•"/>
-              <a:defRPr b="0">
-                <a:solidFill>
-                  <a:srgbClr val="3F6E74"/>
-                </a:solidFill>
-                <a:latin typeface="Menlo"/>
-                <a:ea typeface="Menlo"/>
-                <a:cs typeface="Menlo"/>
-                <a:sym typeface="Menlo"/>
+              <a:defRPr b="0" sz="1600">
+                <a:solidFill>
+                  <a:srgbClr val="5C2699"/>
+                </a:solidFill>
+                <a:latin typeface="Arial"/>
+                <a:ea typeface="Arial"/>
+                <a:cs typeface="Arial"/>
+                <a:sym typeface="Arial"/>
               </a:defRPr>
             </a:pPr>
             <a:r>
@@ -37078,9 +37013,9 @@
             </a:endParaRPr>
           </a:p>
           <a:p>
-            <a:pPr marL="457200" indent="-317500" defTabSz="457200">
+            <a:pPr marL="502557" indent="-362857" defTabSz="457200">
               <a:lnSpc>
-                <a:spcPts val="3900"/>
+                <a:spcPts val="2500"/>
               </a:lnSpc>
               <a:spcBef>
                 <a:spcPts val="0"/>
@@ -37091,14 +37026,14 @@
               <a:buSzPct val="100000"/>
               <a:buFont typeface="Menlo"/>
               <a:buChar char="•"/>
-              <a:defRPr b="0">
-                <a:solidFill>
-                  <a:srgbClr val="3F6E74"/>
-                </a:solidFill>
-                <a:latin typeface="Menlo"/>
-                <a:ea typeface="Menlo"/>
-                <a:cs typeface="Menlo"/>
-                <a:sym typeface="Menlo"/>
+              <a:defRPr b="0" sz="1600">
+                <a:solidFill>
+                  <a:srgbClr val="5C2699"/>
+                </a:solidFill>
+                <a:latin typeface="Arial"/>
+                <a:ea typeface="Arial"/>
+                <a:cs typeface="Arial"/>
+                <a:sym typeface="Arial"/>
               </a:defRPr>
             </a:pPr>
             <a:r>
@@ -37146,9 +37081,9 @@
             </a:endParaRPr>
           </a:p>
           <a:p>
-            <a:pPr marL="457200" indent="-317500" defTabSz="457200">
+            <a:pPr marL="502557" indent="-362857" defTabSz="457200">
               <a:lnSpc>
-                <a:spcPts val="3900"/>
+                <a:spcPts val="2500"/>
               </a:lnSpc>
               <a:spcBef>
                 <a:spcPts val="0"/>
@@ -37159,14 +37094,14 @@
               <a:buSzPct val="100000"/>
               <a:buFont typeface="Menlo"/>
               <a:buChar char="•"/>
-              <a:defRPr b="0">
-                <a:solidFill>
-                  <a:srgbClr val="3F6E74"/>
-                </a:solidFill>
-                <a:latin typeface="Menlo"/>
-                <a:ea typeface="Menlo"/>
-                <a:cs typeface="Menlo"/>
-                <a:sym typeface="Menlo"/>
+              <a:defRPr b="0" sz="1600">
+                <a:solidFill>
+                  <a:srgbClr val="5C2699"/>
+                </a:solidFill>
+                <a:latin typeface="Arial"/>
+                <a:ea typeface="Arial"/>
+                <a:cs typeface="Arial"/>
+                <a:sym typeface="Arial"/>
               </a:defRPr>
             </a:pPr>
             <a:r>
@@ -37214,9 +37149,9 @@
             </a:endParaRPr>
           </a:p>
           <a:p>
-            <a:pPr marL="457200" indent="-317500" defTabSz="457200">
+            <a:pPr marL="502557" indent="-362857" defTabSz="457200">
               <a:lnSpc>
-                <a:spcPts val="3900"/>
+                <a:spcPts val="2500"/>
               </a:lnSpc>
               <a:spcBef>
                 <a:spcPts val="0"/>
@@ -37227,14 +37162,14 @@
               <a:buSzPct val="100000"/>
               <a:buFont typeface="Menlo"/>
               <a:buChar char="•"/>
-              <a:defRPr b="0">
-                <a:solidFill>
-                  <a:srgbClr val="3F6E74"/>
-                </a:solidFill>
-                <a:latin typeface="Menlo"/>
-                <a:ea typeface="Menlo"/>
-                <a:cs typeface="Menlo"/>
-                <a:sym typeface="Menlo"/>
+              <a:defRPr b="0" sz="1600">
+                <a:solidFill>
+                  <a:srgbClr val="5C2699"/>
+                </a:solidFill>
+                <a:latin typeface="Arial"/>
+                <a:ea typeface="Arial"/>
+                <a:cs typeface="Arial"/>
+                <a:sym typeface="Arial"/>
               </a:defRPr>
             </a:pPr>
             <a:r>
@@ -37282,9 +37217,9 @@
             </a:endParaRPr>
           </a:p>
           <a:p>
-            <a:pPr marL="457200" indent="-317500" defTabSz="457200">
+            <a:pPr marL="502557" indent="-362857" defTabSz="457200">
               <a:lnSpc>
-                <a:spcPts val="3900"/>
+                <a:spcPts val="2500"/>
               </a:lnSpc>
               <a:spcBef>
                 <a:spcPts val="0"/>
@@ -37295,14 +37230,14 @@
               <a:buSzPct val="100000"/>
               <a:buFont typeface="Menlo"/>
               <a:buChar char="•"/>
-              <a:defRPr b="0">
-                <a:solidFill>
-                  <a:srgbClr val="3F6E74"/>
-                </a:solidFill>
-                <a:latin typeface="Menlo"/>
-                <a:ea typeface="Menlo"/>
-                <a:cs typeface="Menlo"/>
-                <a:sym typeface="Menlo"/>
+              <a:defRPr b="0" sz="1600">
+                <a:solidFill>
+                  <a:srgbClr val="5C2699"/>
+                </a:solidFill>
+                <a:latin typeface="Arial"/>
+                <a:ea typeface="Arial"/>
+                <a:cs typeface="Arial"/>
+                <a:sym typeface="Arial"/>
               </a:defRPr>
             </a:pPr>
             <a:r>
@@ -37350,9 +37285,9 @@
             </a:endParaRPr>
           </a:p>
           <a:p>
-            <a:pPr marL="457200" indent="-317500" defTabSz="457200">
+            <a:pPr marL="502557" indent="-362857" defTabSz="457200">
               <a:lnSpc>
-                <a:spcPts val="3900"/>
+                <a:spcPts val="2500"/>
               </a:lnSpc>
               <a:spcBef>
                 <a:spcPts val="0"/>
@@ -37363,14 +37298,14 @@
               <a:buSzPct val="100000"/>
               <a:buFont typeface="Menlo"/>
               <a:buChar char="•"/>
-              <a:defRPr b="0">
-                <a:solidFill>
-                  <a:srgbClr val="3F6E74"/>
-                </a:solidFill>
-                <a:latin typeface="Menlo"/>
-                <a:ea typeface="Menlo"/>
-                <a:cs typeface="Menlo"/>
-                <a:sym typeface="Menlo"/>
+              <a:defRPr b="0" sz="1600">
+                <a:solidFill>
+                  <a:srgbClr val="5C2699"/>
+                </a:solidFill>
+                <a:latin typeface="Arial"/>
+                <a:ea typeface="Arial"/>
+                <a:cs typeface="Arial"/>
+                <a:sym typeface="Arial"/>
               </a:defRPr>
             </a:pPr>
             <a:r>
@@ -37434,9 +37369,9 @@
             </a:endParaRPr>
           </a:p>
           <a:p>
-            <a:pPr marL="457200" indent="-317500" defTabSz="457200">
+            <a:pPr marL="502557" indent="-362857" defTabSz="457200">
               <a:lnSpc>
-                <a:spcPts val="3900"/>
+                <a:spcPts val="2500"/>
               </a:lnSpc>
               <a:spcBef>
                 <a:spcPts val="0"/>
@@ -37447,14 +37382,14 @@
               <a:buSzPct val="100000"/>
               <a:buFont typeface="Menlo"/>
               <a:buChar char="•"/>
-              <a:defRPr b="0">
-                <a:solidFill>
-                  <a:srgbClr val="C41A16"/>
-                </a:solidFill>
-                <a:latin typeface="Menlo"/>
-                <a:ea typeface="Menlo"/>
-                <a:cs typeface="Menlo"/>
-                <a:sym typeface="Menlo"/>
+              <a:defRPr b="0" sz="1600">
+                <a:solidFill>
+                  <a:srgbClr val="5C2699"/>
+                </a:solidFill>
+                <a:latin typeface="Arial"/>
+                <a:ea typeface="Arial"/>
+                <a:cs typeface="Arial"/>
+                <a:sym typeface="Arial"/>
               </a:defRPr>
             </a:pPr>
             <a:r>
@@ -37566,9 +37501,9 @@
             </a:endParaRPr>
           </a:p>
           <a:p>
-            <a:pPr marL="457200" indent="-317500" defTabSz="457200">
+            <a:pPr marL="502557" indent="-362857" defTabSz="457200">
               <a:lnSpc>
-                <a:spcPts val="3900"/>
+                <a:spcPts val="2500"/>
               </a:lnSpc>
               <a:spcBef>
                 <a:spcPts val="0"/>
@@ -37579,14 +37514,14 @@
               <a:buSzPct val="100000"/>
               <a:buFont typeface="Menlo"/>
               <a:buChar char="•"/>
-              <a:defRPr b="0">
-                <a:solidFill>
-                  <a:srgbClr val="3F6E74"/>
-                </a:solidFill>
-                <a:latin typeface="Menlo"/>
-                <a:ea typeface="Menlo"/>
-                <a:cs typeface="Menlo"/>
-                <a:sym typeface="Menlo"/>
+              <a:defRPr b="0" sz="1600">
+                <a:solidFill>
+                  <a:srgbClr val="5C2699"/>
+                </a:solidFill>
+                <a:latin typeface="Arial"/>
+                <a:ea typeface="Arial"/>
+                <a:cs typeface="Arial"/>
+                <a:sym typeface="Arial"/>
               </a:defRPr>
             </a:pPr>
             <a:r>
@@ -37623,11 +37558,6 @@
               <a:t>: </a:t>
             </a:r>
             <a:r>
-              <a:rPr>
-                <a:solidFill>
-                  <a:srgbClr val="5C2699"/>
-                </a:solidFill>
-              </a:rPr>
               <a:t>String</a:t>
             </a:r>
             <a:r>
@@ -37639,11 +37569,6 @@
               <a:t>) -&gt; </a:t>
             </a:r>
             <a:r>
-              <a:rPr>
-                <a:solidFill>
-                  <a:srgbClr val="5C2699"/>
-                </a:solidFill>
-              </a:rPr>
               <a:t>String</a:t>
             </a:r>
             <a:r>
@@ -37860,7 +37785,7 @@
         <p:spPr>
           <a:xfrm>
             <a:off x="572692" y="1088904"/>
-            <a:ext cx="5378349" cy="3876041"/>
+            <a:ext cx="3504478" cy="3740092"/>
           </a:xfrm>
           <a:prstGeom prst="rect">
             <a:avLst/>
@@ -37880,9 +37805,9 @@
           </a:bodyPr>
           <a:lstStyle/>
           <a:p>
-            <a:pPr marL="457200" indent="-317500" defTabSz="457200">
+            <a:pPr marL="527755" indent="-388055" defTabSz="457200">
               <a:lnSpc>
-                <a:spcPts val="2200"/>
+                <a:spcPts val="1200"/>
               </a:lnSpc>
               <a:spcBef>
                 <a:spcPts val="0"/>
@@ -37893,14 +37818,14 @@
               <a:buSzPct val="100000"/>
               <a:buFont typeface="Menlo"/>
               <a:buChar char="•"/>
-              <a:defRPr b="0" sz="900">
-                <a:solidFill>
-                  <a:srgbClr val="AA0D91"/>
-                </a:solidFill>
-                <a:latin typeface="Menlo"/>
-                <a:ea typeface="Menlo"/>
-                <a:cs typeface="Menlo"/>
-                <a:sym typeface="Menlo"/>
+              <a:defRPr b="0" sz="800">
+                <a:solidFill>
+                  <a:srgbClr val="5C2699"/>
+                </a:solidFill>
+                <a:latin typeface="Arial"/>
+                <a:ea typeface="Arial"/>
+                <a:cs typeface="Arial"/>
+                <a:sym typeface="Arial"/>
               </a:defRPr>
             </a:pPr>
             <a:r>
@@ -37964,9 +37889,9 @@
             </a:endParaRPr>
           </a:p>
           <a:p>
-            <a:pPr marL="457200" indent="-317500" defTabSz="457200">
+            <a:pPr marL="527755" indent="-388055" defTabSz="457200">
               <a:lnSpc>
-                <a:spcPts val="2200"/>
+                <a:spcPts val="1200"/>
               </a:lnSpc>
               <a:spcBef>
                 <a:spcPts val="0"/>
@@ -37977,14 +37902,14 @@
               <a:buSzPct val="100000"/>
               <a:buFont typeface="Menlo"/>
               <a:buChar char="•"/>
-              <a:defRPr b="0" sz="900">
-                <a:solidFill>
-                  <a:srgbClr val="333333"/>
-                </a:solidFill>
-                <a:latin typeface="Menlo"/>
-                <a:ea typeface="Menlo"/>
-                <a:cs typeface="Menlo"/>
-                <a:sym typeface="Menlo"/>
+              <a:defRPr b="0" sz="800">
+                <a:solidFill>
+                  <a:srgbClr val="5C2699"/>
+                </a:solidFill>
+                <a:latin typeface="Arial"/>
+                <a:ea typeface="Arial"/>
+                <a:cs typeface="Arial"/>
+                <a:sym typeface="Arial"/>
               </a:defRPr>
             </a:pPr>
             <a:r>
@@ -38014,9 +37939,9 @@
             </a:r>
           </a:p>
           <a:p>
-            <a:pPr marL="457200" indent="-317500" defTabSz="457200">
+            <a:pPr marL="527755" indent="-388055" defTabSz="457200">
               <a:lnSpc>
-                <a:spcPts val="2200"/>
+                <a:spcPts val="1200"/>
               </a:lnSpc>
               <a:spcBef>
                 <a:spcPts val="0"/>
@@ -38027,14 +37952,14 @@
               <a:buSzPct val="100000"/>
               <a:buFont typeface="Menlo"/>
               <a:buChar char="•"/>
-              <a:defRPr b="0" sz="900">
-                <a:solidFill>
-                  <a:srgbClr val="333333"/>
-                </a:solidFill>
-                <a:latin typeface="Menlo"/>
-                <a:ea typeface="Menlo"/>
-                <a:cs typeface="Menlo"/>
-                <a:sym typeface="Menlo"/>
+              <a:defRPr b="0" sz="800">
+                <a:solidFill>
+                  <a:srgbClr val="5C2699"/>
+                </a:solidFill>
+                <a:latin typeface="Arial"/>
+                <a:ea typeface="Arial"/>
+                <a:cs typeface="Arial"/>
+                <a:sym typeface="Arial"/>
               </a:defRPr>
             </a:pPr>
             <a:r>
@@ -38071,24 +37996,13 @@
               <a:t>as</a:t>
             </a:r>
             <a:r>
-              <a:t> </a:t>
-            </a:r>
-            <a:r>
-              <a:rPr>
-                <a:solidFill>
-                  <a:srgbClr val="5C2699"/>
-                </a:solidFill>
-              </a:rPr>
-              <a:t>Int</a:t>
-            </a:r>
-            <a:r>
-              <a:t>:</a:t>
+              <a:t> Int:</a:t>
             </a:r>
           </a:p>
           <a:p>
-            <a:pPr marL="457200" indent="-317500" defTabSz="457200">
+            <a:pPr marL="527755" indent="-388055" defTabSz="457200">
               <a:lnSpc>
-                <a:spcPts val="2200"/>
+                <a:spcPts val="1200"/>
               </a:lnSpc>
               <a:spcBef>
                 <a:spcPts val="0"/>
@@ -38099,14 +38013,14 @@
               <a:buSzPct val="100000"/>
               <a:buFont typeface="Menlo"/>
               <a:buChar char="•"/>
-              <a:defRPr b="0" sz="900">
-                <a:solidFill>
-                  <a:srgbClr val="C41A16"/>
-                </a:solidFill>
-                <a:latin typeface="Menlo"/>
-                <a:ea typeface="Menlo"/>
-                <a:cs typeface="Menlo"/>
-                <a:sym typeface="Menlo"/>
+              <a:defRPr b="0" sz="800">
+                <a:solidFill>
+                  <a:srgbClr val="5C2699"/>
+                </a:solidFill>
+                <a:latin typeface="Arial"/>
+                <a:ea typeface="Arial"/>
+                <a:cs typeface="Arial"/>
+                <a:sym typeface="Arial"/>
               </a:defRPr>
             </a:pPr>
             <a:r>
@@ -38151,9 +38065,9 @@
             </a:endParaRPr>
           </a:p>
           <a:p>
-            <a:pPr marL="457200" indent="-317500" defTabSz="457200">
+            <a:pPr marL="527755" indent="-388055" defTabSz="457200">
               <a:lnSpc>
-                <a:spcPts val="2200"/>
+                <a:spcPts val="1200"/>
               </a:lnSpc>
               <a:spcBef>
                 <a:spcPts val="0"/>
@@ -38164,14 +38078,14 @@
               <a:buSzPct val="100000"/>
               <a:buFont typeface="Menlo"/>
               <a:buChar char="•"/>
-              <a:defRPr b="0" sz="900">
-                <a:solidFill>
-                  <a:srgbClr val="333333"/>
-                </a:solidFill>
-                <a:latin typeface="Menlo"/>
-                <a:ea typeface="Menlo"/>
-                <a:cs typeface="Menlo"/>
-                <a:sym typeface="Menlo"/>
+              <a:defRPr b="0" sz="800">
+                <a:solidFill>
+                  <a:srgbClr val="5C2699"/>
+                </a:solidFill>
+                <a:latin typeface="Arial"/>
+                <a:ea typeface="Arial"/>
+                <a:cs typeface="Arial"/>
+                <a:sym typeface="Arial"/>
               </a:defRPr>
             </a:pPr>
             <a:r>
@@ -38211,11 +38125,6 @@
               <a:t> </a:t>
             </a:r>
             <a:r>
-              <a:rPr>
-                <a:solidFill>
-                  <a:srgbClr val="5C2699"/>
-                </a:solidFill>
-              </a:rPr>
               <a:t>Double</a:t>
             </a:r>
             <a:r>
@@ -38223,9 +38132,9 @@
             </a:r>
           </a:p>
           <a:p>
-            <a:pPr marL="457200" indent="-317500" defTabSz="457200">
+            <a:pPr marL="527755" indent="-388055" defTabSz="457200">
               <a:lnSpc>
-                <a:spcPts val="2200"/>
+                <a:spcPts val="1200"/>
               </a:lnSpc>
               <a:spcBef>
                 <a:spcPts val="0"/>
@@ -38236,14 +38145,14 @@
               <a:buSzPct val="100000"/>
               <a:buFont typeface="Menlo"/>
               <a:buChar char="•"/>
-              <a:defRPr b="0" sz="900">
-                <a:solidFill>
-                  <a:srgbClr val="C41A16"/>
-                </a:solidFill>
-                <a:latin typeface="Menlo"/>
-                <a:ea typeface="Menlo"/>
-                <a:cs typeface="Menlo"/>
-                <a:sym typeface="Menlo"/>
+              <a:defRPr b="0" sz="800">
+                <a:solidFill>
+                  <a:srgbClr val="5C2699"/>
+                </a:solidFill>
+                <a:latin typeface="Arial"/>
+                <a:ea typeface="Arial"/>
+                <a:cs typeface="Arial"/>
+                <a:sym typeface="Arial"/>
               </a:defRPr>
             </a:pPr>
             <a:r>
@@ -38288,9 +38197,9 @@
             </a:endParaRPr>
           </a:p>
           <a:p>
-            <a:pPr marL="457200" indent="-317500" defTabSz="457200">
+            <a:pPr marL="527755" indent="-388055" defTabSz="457200">
               <a:lnSpc>
-                <a:spcPts val="2200"/>
+                <a:spcPts val="1200"/>
               </a:lnSpc>
               <a:spcBef>
                 <a:spcPts val="0"/>
@@ -38301,14 +38210,14 @@
               <a:buSzPct val="100000"/>
               <a:buFont typeface="Menlo"/>
               <a:buChar char="•"/>
-              <a:defRPr b="0" sz="900">
-                <a:solidFill>
-                  <a:srgbClr val="333333"/>
-                </a:solidFill>
-                <a:latin typeface="Menlo"/>
-                <a:ea typeface="Menlo"/>
-                <a:cs typeface="Menlo"/>
-                <a:sym typeface="Menlo"/>
+              <a:defRPr b="0" sz="800">
+                <a:solidFill>
+                  <a:srgbClr val="5C2699"/>
+                </a:solidFill>
+                <a:latin typeface="Arial"/>
+                <a:ea typeface="Arial"/>
+                <a:cs typeface="Arial"/>
+                <a:sym typeface="Arial"/>
               </a:defRPr>
             </a:pPr>
             <a:r>
@@ -38359,11 +38268,6 @@
               <a:t> </a:t>
             </a:r>
             <a:r>
-              <a:rPr>
-                <a:solidFill>
-                  <a:srgbClr val="5C2699"/>
-                </a:solidFill>
-              </a:rPr>
               <a:t>Int</a:t>
             </a:r>
             <a:r>
@@ -38371,9 +38275,9 @@
             </a:r>
           </a:p>
           <a:p>
-            <a:pPr marL="457200" indent="-317500" defTabSz="457200">
+            <a:pPr marL="527755" indent="-388055" defTabSz="457200">
               <a:lnSpc>
-                <a:spcPts val="2200"/>
+                <a:spcPts val="1200"/>
               </a:lnSpc>
               <a:spcBef>
                 <a:spcPts val="0"/>
@@ -38384,14 +38288,14 @@
               <a:buSzPct val="100000"/>
               <a:buFont typeface="Menlo"/>
               <a:buChar char="•"/>
-              <a:defRPr b="0" sz="900">
-                <a:solidFill>
-                  <a:srgbClr val="C41A16"/>
-                </a:solidFill>
-                <a:latin typeface="Menlo"/>
-                <a:ea typeface="Menlo"/>
-                <a:cs typeface="Menlo"/>
-                <a:sym typeface="Menlo"/>
+              <a:defRPr b="0" sz="800">
+                <a:solidFill>
+                  <a:srgbClr val="5C2699"/>
+                </a:solidFill>
+                <a:latin typeface="Arial"/>
+                <a:ea typeface="Arial"/>
+                <a:cs typeface="Arial"/>
+                <a:sym typeface="Arial"/>
               </a:defRPr>
             </a:pPr>
             <a:r>
@@ -38463,9 +38367,9 @@
             </a:endParaRPr>
           </a:p>
           <a:p>
-            <a:pPr marL="457200" indent="-317500" defTabSz="457200">
+            <a:pPr marL="527755" indent="-388055" defTabSz="457200">
               <a:lnSpc>
-                <a:spcPts val="2200"/>
+                <a:spcPts val="1200"/>
               </a:lnSpc>
               <a:spcBef>
                 <a:spcPts val="0"/>
@@ -38476,14 +38380,14 @@
               <a:buSzPct val="100000"/>
               <a:buFont typeface="Menlo"/>
               <a:buChar char="•"/>
-              <a:defRPr b="0" sz="900">
-                <a:solidFill>
-                  <a:srgbClr val="3F6E74"/>
-                </a:solidFill>
-                <a:latin typeface="Menlo"/>
-                <a:ea typeface="Menlo"/>
-                <a:cs typeface="Menlo"/>
-                <a:sym typeface="Menlo"/>
+              <a:defRPr b="0" sz="800">
+                <a:solidFill>
+                  <a:srgbClr val="5C2699"/>
+                </a:solidFill>
+                <a:latin typeface="Arial"/>
+                <a:ea typeface="Arial"/>
+                <a:cs typeface="Arial"/>
+                <a:sym typeface="Arial"/>
               </a:defRPr>
             </a:pPr>
             <a:r>
@@ -38554,11 +38458,6 @@
               <a:t> </a:t>
             </a:r>
             <a:r>
-              <a:rPr>
-                <a:solidFill>
-                  <a:srgbClr val="5C2699"/>
-                </a:solidFill>
-              </a:rPr>
               <a:t>Double</a:t>
             </a:r>
             <a:r>
@@ -38619,9 +38518,9 @@
             </a:endParaRPr>
           </a:p>
           <a:p>
-            <a:pPr marL="457200" indent="-317500" defTabSz="457200">
+            <a:pPr marL="527755" indent="-388055" defTabSz="457200">
               <a:lnSpc>
-                <a:spcPts val="2200"/>
+                <a:spcPts val="1200"/>
               </a:lnSpc>
               <a:spcBef>
                 <a:spcPts val="0"/>
@@ -38632,14 +38531,14 @@
               <a:buSzPct val="100000"/>
               <a:buFont typeface="Menlo"/>
               <a:buChar char="•"/>
-              <a:defRPr b="0" sz="900">
-                <a:solidFill>
-                  <a:srgbClr val="C41A16"/>
-                </a:solidFill>
-                <a:latin typeface="Menlo"/>
-                <a:ea typeface="Menlo"/>
-                <a:cs typeface="Menlo"/>
-                <a:sym typeface="Menlo"/>
+              <a:defRPr b="0" sz="800">
+                <a:solidFill>
+                  <a:srgbClr val="5C2699"/>
+                </a:solidFill>
+                <a:latin typeface="Arial"/>
+                <a:ea typeface="Arial"/>
+                <a:cs typeface="Arial"/>
+                <a:sym typeface="Arial"/>
               </a:defRPr>
             </a:pPr>
             <a:r>
@@ -38711,9 +38610,9 @@
             </a:endParaRPr>
           </a:p>
           <a:p>
-            <a:pPr marL="457200" indent="-317500" defTabSz="457200">
+            <a:pPr marL="527755" indent="-388055" defTabSz="457200">
               <a:lnSpc>
-                <a:spcPts val="2200"/>
+                <a:spcPts val="1200"/>
               </a:lnSpc>
               <a:spcBef>
                 <a:spcPts val="0"/>
@@ -38724,14 +38623,14 @@
               <a:buSzPct val="100000"/>
               <a:buFont typeface="Menlo"/>
               <a:buChar char="•"/>
-              <a:defRPr b="0" sz="900">
-                <a:solidFill>
-                  <a:srgbClr val="333333"/>
-                </a:solidFill>
-                <a:latin typeface="Menlo"/>
-                <a:ea typeface="Menlo"/>
-                <a:cs typeface="Menlo"/>
-                <a:sym typeface="Menlo"/>
+              <a:defRPr b="0" sz="800">
+                <a:solidFill>
+                  <a:srgbClr val="5C2699"/>
+                </a:solidFill>
+                <a:latin typeface="Arial"/>
+                <a:ea typeface="Arial"/>
+                <a:cs typeface="Arial"/>
+                <a:sym typeface="Arial"/>
               </a:defRPr>
             </a:pPr>
             <a:r>
@@ -38760,11 +38659,6 @@
               <a:t> </a:t>
             </a:r>
             <a:r>
-              <a:rPr>
-                <a:solidFill>
-                  <a:srgbClr val="5C2699"/>
-                </a:solidFill>
-              </a:rPr>
               <a:t>Double</a:t>
             </a:r>
             <a:r>
@@ -38772,9 +38666,9 @@
             </a:r>
           </a:p>
           <a:p>
-            <a:pPr marL="457200" indent="-317500" defTabSz="457200">
+            <a:pPr marL="527755" indent="-388055" defTabSz="457200">
               <a:lnSpc>
-                <a:spcPts val="2200"/>
+                <a:spcPts val="1200"/>
               </a:lnSpc>
               <a:spcBef>
                 <a:spcPts val="0"/>
@@ -38785,14 +38679,14 @@
               <a:buSzPct val="100000"/>
               <a:buFont typeface="Menlo"/>
               <a:buChar char="•"/>
-              <a:defRPr b="0" sz="900">
-                <a:solidFill>
-                  <a:srgbClr val="C41A16"/>
-                </a:solidFill>
-                <a:latin typeface="Menlo"/>
-                <a:ea typeface="Menlo"/>
-                <a:cs typeface="Menlo"/>
-                <a:sym typeface="Menlo"/>
+              <a:defRPr b="0" sz="800">
+                <a:solidFill>
+                  <a:srgbClr val="5C2699"/>
+                </a:solidFill>
+                <a:latin typeface="Arial"/>
+                <a:ea typeface="Arial"/>
+                <a:cs typeface="Arial"/>
+                <a:sym typeface="Arial"/>
               </a:defRPr>
             </a:pPr>
             <a:r>
@@ -38837,9 +38731,9 @@
             </a:endParaRPr>
           </a:p>
           <a:p>
-            <a:pPr marL="457200" indent="-317500" defTabSz="457200">
+            <a:pPr marL="527755" indent="-388055" defTabSz="457200">
               <a:lnSpc>
-                <a:spcPts val="2200"/>
+                <a:spcPts val="1200"/>
               </a:lnSpc>
               <a:spcBef>
                 <a:spcPts val="0"/>
@@ -38850,14 +38744,14 @@
               <a:buSzPct val="100000"/>
               <a:buFont typeface="Menlo"/>
               <a:buChar char="•"/>
-              <a:defRPr b="0" sz="900">
-                <a:solidFill>
-                  <a:srgbClr val="3F6E74"/>
-                </a:solidFill>
-                <a:latin typeface="Menlo"/>
-                <a:ea typeface="Menlo"/>
-                <a:cs typeface="Menlo"/>
-                <a:sym typeface="Menlo"/>
+              <a:defRPr b="0" sz="800">
+                <a:solidFill>
+                  <a:srgbClr val="5C2699"/>
+                </a:solidFill>
+                <a:latin typeface="Arial"/>
+                <a:ea typeface="Arial"/>
+                <a:cs typeface="Arial"/>
+                <a:sym typeface="Arial"/>
               </a:defRPr>
             </a:pPr>
             <a:r>
@@ -38928,11 +38822,6 @@
               <a:t> </a:t>
             </a:r>
             <a:r>
-              <a:rPr>
-                <a:solidFill>
-                  <a:srgbClr val="5C2699"/>
-                </a:solidFill>
-              </a:rPr>
               <a:t>String</a:t>
             </a:r>
             <a:r>
@@ -38950,9 +38839,9 @@
             </a:endParaRPr>
           </a:p>
           <a:p>
-            <a:pPr marL="457200" indent="-317500" defTabSz="457200">
+            <a:pPr marL="527755" indent="-388055" defTabSz="457200">
               <a:lnSpc>
-                <a:spcPts val="2200"/>
+                <a:spcPts val="1200"/>
               </a:lnSpc>
               <a:spcBef>
                 <a:spcPts val="0"/>
@@ -38963,14 +38852,14 @@
               <a:buSzPct val="100000"/>
               <a:buFont typeface="Menlo"/>
               <a:buChar char="•"/>
-              <a:defRPr b="0" sz="900">
-                <a:solidFill>
-                  <a:srgbClr val="C41A16"/>
-                </a:solidFill>
-                <a:latin typeface="Menlo"/>
-                <a:ea typeface="Menlo"/>
-                <a:cs typeface="Menlo"/>
-                <a:sym typeface="Menlo"/>
+              <a:defRPr b="0" sz="800">
+                <a:solidFill>
+                  <a:srgbClr val="5C2699"/>
+                </a:solidFill>
+                <a:latin typeface="Arial"/>
+                <a:ea typeface="Arial"/>
+                <a:cs typeface="Arial"/>
+                <a:sym typeface="Arial"/>
               </a:defRPr>
             </a:pPr>
             <a:r>
@@ -39042,9 +38931,9 @@
             </a:endParaRPr>
           </a:p>
           <a:p>
-            <a:pPr marL="457200" indent="-317500" defTabSz="457200">
+            <a:pPr marL="527755" indent="-388055" defTabSz="457200">
               <a:lnSpc>
-                <a:spcPts val="2200"/>
+                <a:spcPts val="1200"/>
               </a:lnSpc>
               <a:spcBef>
                 <a:spcPts val="0"/>
@@ -39055,14 +38944,14 @@
               <a:buSzPct val="100000"/>
               <a:buFont typeface="Menlo"/>
               <a:buChar char="•"/>
-              <a:defRPr b="0" sz="900">
-                <a:solidFill>
-                  <a:srgbClr val="333333"/>
-                </a:solidFill>
-                <a:latin typeface="Menlo"/>
-                <a:ea typeface="Menlo"/>
-                <a:cs typeface="Menlo"/>
-                <a:sym typeface="Menlo"/>
+              <a:defRPr b="0" sz="800">
+                <a:solidFill>
+                  <a:srgbClr val="5C2699"/>
+                </a:solidFill>
+                <a:latin typeface="Arial"/>
+                <a:ea typeface="Arial"/>
+                <a:cs typeface="Arial"/>
+                <a:sym typeface="Arial"/>
               </a:defRPr>
             </a:pPr>
             <a:r>
@@ -39124,22 +39013,12 @@
               <a:t> (</a:t>
             </a:r>
             <a:r>
-              <a:rPr>
-                <a:solidFill>
-                  <a:srgbClr val="5C2699"/>
-                </a:solidFill>
-              </a:rPr>
               <a:t>Double</a:t>
             </a:r>
             <a:r>
               <a:t>, </a:t>
             </a:r>
             <a:r>
-              <a:rPr>
-                <a:solidFill>
-                  <a:srgbClr val="5C2699"/>
-                </a:solidFill>
-              </a:rPr>
               <a:t>Double</a:t>
             </a:r>
             <a:r>
@@ -39147,9 +39026,9 @@
             </a:r>
           </a:p>
           <a:p>
-            <a:pPr marL="457200" indent="-317500" defTabSz="457200">
+            <a:pPr marL="527755" indent="-388055" defTabSz="457200">
               <a:lnSpc>
-                <a:spcPts val="2200"/>
+                <a:spcPts val="1200"/>
               </a:lnSpc>
               <a:spcBef>
                 <a:spcPts val="0"/>
@@ -39160,14 +39039,14 @@
               <a:buSzPct val="100000"/>
               <a:buFont typeface="Menlo"/>
               <a:buChar char="•"/>
-              <a:defRPr b="0" sz="900">
-                <a:solidFill>
-                  <a:srgbClr val="C41A16"/>
-                </a:solidFill>
-                <a:latin typeface="Menlo"/>
-                <a:ea typeface="Menlo"/>
-                <a:cs typeface="Menlo"/>
-                <a:sym typeface="Menlo"/>
+              <a:defRPr b="0" sz="800">
+                <a:solidFill>
+                  <a:srgbClr val="5C2699"/>
+                </a:solidFill>
+                <a:latin typeface="Arial"/>
+                <a:ea typeface="Arial"/>
+                <a:cs typeface="Arial"/>
+                <a:sym typeface="Arial"/>
               </a:defRPr>
             </a:pPr>
             <a:r>
@@ -39266,9 +39145,9 @@
             </a:endParaRPr>
           </a:p>
           <a:p>
-            <a:pPr marL="457200" indent="-317500" defTabSz="457200">
+            <a:pPr marL="527755" indent="-388055" defTabSz="457200">
               <a:lnSpc>
-                <a:spcPts val="2200"/>
+                <a:spcPts val="1200"/>
               </a:lnSpc>
               <a:spcBef>
                 <a:spcPts val="0"/>
@@ -39279,14 +39158,14 @@
               <a:buSzPct val="100000"/>
               <a:buFont typeface="Menlo"/>
               <a:buChar char="•"/>
-              <a:defRPr b="0" sz="900">
-                <a:solidFill>
-                  <a:srgbClr val="333333"/>
-                </a:solidFill>
-                <a:latin typeface="Menlo"/>
-                <a:ea typeface="Menlo"/>
-                <a:cs typeface="Menlo"/>
-                <a:sym typeface="Menlo"/>
+              <a:defRPr b="0" sz="800">
+                <a:solidFill>
+                  <a:srgbClr val="5C2699"/>
+                </a:solidFill>
+                <a:latin typeface="Arial"/>
+                <a:ea typeface="Arial"/>
+                <a:cs typeface="Arial"/>
+                <a:sym typeface="Arial"/>
               </a:defRPr>
             </a:pPr>
             <a:r>
@@ -39337,11 +39216,6 @@
               <a:t> </a:t>
             </a:r>
             <a:r>
-              <a:rPr>
-                <a:solidFill>
-                  <a:srgbClr val="5C2699"/>
-                </a:solidFill>
-              </a:rPr>
               <a:t>Movie</a:t>
             </a:r>
             <a:r>
@@ -39349,9 +39223,9 @@
             </a:r>
           </a:p>
           <a:p>
-            <a:pPr marL="457200" indent="-317500" defTabSz="457200">
+            <a:pPr marL="527755" indent="-388055" defTabSz="457200">
               <a:lnSpc>
-                <a:spcPts val="2200"/>
+                <a:spcPts val="1200"/>
               </a:lnSpc>
               <a:spcBef>
                 <a:spcPts val="0"/>
@@ -39362,14 +39236,14 @@
               <a:buSzPct val="100000"/>
               <a:buFont typeface="Menlo"/>
               <a:buChar char="•"/>
-              <a:defRPr b="0" sz="900">
-                <a:solidFill>
-                  <a:srgbClr val="C41A16"/>
-                </a:solidFill>
-                <a:latin typeface="Menlo"/>
-                <a:ea typeface="Menlo"/>
-                <a:cs typeface="Menlo"/>
-                <a:sym typeface="Menlo"/>
+              <a:defRPr b="0" sz="800">
+                <a:solidFill>
+                  <a:srgbClr val="5C2699"/>
+                </a:solidFill>
+                <a:latin typeface="Arial"/>
+                <a:ea typeface="Arial"/>
+                <a:cs typeface="Arial"/>
+                <a:sym typeface="Arial"/>
               </a:defRPr>
             </a:pPr>
             <a:r>
@@ -39500,9 +39374,9 @@
             </a:endParaRPr>
           </a:p>
           <a:p>
-            <a:pPr marL="457200" indent="-317500" defTabSz="457200">
+            <a:pPr marL="527755" indent="-388055" defTabSz="457200">
               <a:lnSpc>
-                <a:spcPts val="2200"/>
+                <a:spcPts val="1200"/>
               </a:lnSpc>
               <a:spcBef>
                 <a:spcPts val="0"/>
@@ -39513,14 +39387,14 @@
               <a:buSzPct val="100000"/>
               <a:buFont typeface="Menlo"/>
               <a:buChar char="•"/>
-              <a:defRPr b="0" sz="900">
-                <a:solidFill>
-                  <a:srgbClr val="3F6E74"/>
-                </a:solidFill>
-                <a:latin typeface="Menlo"/>
-                <a:ea typeface="Menlo"/>
-                <a:cs typeface="Menlo"/>
-                <a:sym typeface="Menlo"/>
+              <a:defRPr b="0" sz="800">
+                <a:solidFill>
+                  <a:srgbClr val="5C2699"/>
+                </a:solidFill>
+                <a:latin typeface="Arial"/>
+                <a:ea typeface="Arial"/>
+                <a:cs typeface="Arial"/>
+                <a:sym typeface="Arial"/>
               </a:defRPr>
             </a:pPr>
             <a:r>
@@ -39591,11 +39465,6 @@
               <a:t> (</a:t>
             </a:r>
             <a:r>
-              <a:rPr>
-                <a:solidFill>
-                  <a:srgbClr val="5C2699"/>
-                </a:solidFill>
-              </a:rPr>
               <a:t>String</a:t>
             </a:r>
             <a:r>
@@ -39607,11 +39476,6 @@
               <a:t>) -&gt; </a:t>
             </a:r>
             <a:r>
-              <a:rPr>
-                <a:solidFill>
-                  <a:srgbClr val="5C2699"/>
-                </a:solidFill>
-              </a:rPr>
               <a:t>String</a:t>
             </a:r>
             <a:r>
@@ -39629,9 +39493,9 @@
             </a:endParaRPr>
           </a:p>
           <a:p>
-            <a:pPr marL="457200" indent="-317500" defTabSz="457200">
+            <a:pPr marL="527755" indent="-388055" defTabSz="457200">
               <a:lnSpc>
-                <a:spcPts val="2200"/>
+                <a:spcPts val="1200"/>
               </a:lnSpc>
               <a:spcBef>
                 <a:spcPts val="0"/>
@@ -39642,14 +39506,14 @@
               <a:buSzPct val="100000"/>
               <a:buFont typeface="Menlo"/>
               <a:buChar char="•"/>
-              <a:defRPr b="0" sz="900">
-                <a:solidFill>
-                  <a:srgbClr val="3F6E74"/>
-                </a:solidFill>
-                <a:latin typeface="Menlo"/>
-                <a:ea typeface="Menlo"/>
-                <a:cs typeface="Menlo"/>
-                <a:sym typeface="Menlo"/>
+              <a:defRPr b="0" sz="800">
+                <a:solidFill>
+                  <a:srgbClr val="5C2699"/>
+                </a:solidFill>
+                <a:latin typeface="Arial"/>
+                <a:ea typeface="Arial"/>
+                <a:cs typeface="Arial"/>
+                <a:sym typeface="Arial"/>
               </a:defRPr>
             </a:pPr>
             <a:r>
@@ -39705,9 +39569,9 @@
             </a:endParaRPr>
           </a:p>
           <a:p>
-            <a:pPr marL="457200" indent="-317500" defTabSz="457200">
+            <a:pPr marL="527755" indent="-388055" defTabSz="457200">
               <a:lnSpc>
-                <a:spcPts val="2200"/>
+                <a:spcPts val="1200"/>
               </a:lnSpc>
               <a:spcBef>
                 <a:spcPts val="0"/>
@@ -39718,14 +39582,14 @@
               <a:buSzPct val="100000"/>
               <a:buFont typeface="Menlo"/>
               <a:buChar char="•"/>
-              <a:defRPr b="0" sz="900">
-                <a:solidFill>
-                  <a:srgbClr val="333333"/>
-                </a:solidFill>
-                <a:latin typeface="Menlo"/>
-                <a:ea typeface="Menlo"/>
-                <a:cs typeface="Menlo"/>
-                <a:sym typeface="Menlo"/>
+              <a:defRPr b="0" sz="800">
+                <a:solidFill>
+                  <a:srgbClr val="5C2699"/>
+                </a:solidFill>
+                <a:latin typeface="Arial"/>
+                <a:ea typeface="Arial"/>
+                <a:cs typeface="Arial"/>
+                <a:sym typeface="Arial"/>
               </a:defRPr>
             </a:pPr>
             <a:r>
@@ -39744,9 +39608,9 @@
             </a:r>
           </a:p>
           <a:p>
-            <a:pPr marL="457200" indent="-317500" defTabSz="457200">
+            <a:pPr marL="527755" indent="-388055" defTabSz="457200">
               <a:lnSpc>
-                <a:spcPts val="2200"/>
+                <a:spcPts val="1200"/>
               </a:lnSpc>
               <a:spcBef>
                 <a:spcPts val="0"/>
@@ -39757,14 +39621,14 @@
               <a:buSzPct val="100000"/>
               <a:buFont typeface="Menlo"/>
               <a:buChar char="•"/>
-              <a:defRPr b="0" sz="900">
-                <a:solidFill>
-                  <a:srgbClr val="C41A16"/>
-                </a:solidFill>
-                <a:latin typeface="Menlo"/>
-                <a:ea typeface="Menlo"/>
-                <a:cs typeface="Menlo"/>
-                <a:sym typeface="Menlo"/>
+              <a:defRPr b="0" sz="800">
+                <a:solidFill>
+                  <a:srgbClr val="5C2699"/>
+                </a:solidFill>
+                <a:latin typeface="Arial"/>
+                <a:ea typeface="Arial"/>
+                <a:cs typeface="Arial"/>
+                <a:sym typeface="Arial"/>
               </a:defRPr>
             </a:pPr>
             <a:r>
@@ -39809,9 +39673,9 @@
             </a:endParaRPr>
           </a:p>
           <a:p>
-            <a:pPr marL="457200" indent="-317500" defTabSz="457200">
+            <a:pPr marL="527755" indent="-388055" defTabSz="457200">
               <a:lnSpc>
-                <a:spcPts val="2200"/>
+                <a:spcPts val="1200"/>
               </a:lnSpc>
               <a:spcBef>
                 <a:spcPts val="0"/>
@@ -39822,14 +39686,14 @@
               <a:buSzPct val="100000"/>
               <a:buFont typeface="Menlo"/>
               <a:buChar char="•"/>
-              <a:defRPr b="0" sz="900">
-                <a:solidFill>
-                  <a:srgbClr val="333333"/>
-                </a:solidFill>
-                <a:latin typeface="Menlo"/>
-                <a:ea typeface="Menlo"/>
-                <a:cs typeface="Menlo"/>
-                <a:sym typeface="Menlo"/>
+              <a:defRPr b="0" sz="800">
+                <a:solidFill>
+                  <a:srgbClr val="5C2699"/>
+                </a:solidFill>
+                <a:latin typeface="Arial"/>
+                <a:ea typeface="Arial"/>
+                <a:cs typeface="Arial"/>
+                <a:sym typeface="Arial"/>
               </a:defRPr>
             </a:pPr>
             <a:r>
@@ -39837,9 +39701,9 @@
             </a:r>
           </a:p>
           <a:p>
-            <a:pPr marL="457200" indent="-317500" defTabSz="457200">
+            <a:pPr marL="527755" indent="-388055" defTabSz="457200">
               <a:lnSpc>
-                <a:spcPts val="2200"/>
+                <a:spcPts val="1200"/>
               </a:lnSpc>
               <a:spcBef>
                 <a:spcPts val="0"/>
@@ -39850,14 +39714,14 @@
               <a:buSzPct val="100000"/>
               <a:buFont typeface="Menlo"/>
               <a:buChar char="•"/>
-              <a:defRPr b="0" sz="900">
-                <a:solidFill>
-                  <a:srgbClr val="333333"/>
-                </a:solidFill>
-                <a:latin typeface="Menlo"/>
-                <a:ea typeface="Menlo"/>
-                <a:cs typeface="Menlo"/>
-                <a:sym typeface="Menlo"/>
+              <a:defRPr b="0" sz="800">
+                <a:solidFill>
+                  <a:srgbClr val="5C2699"/>
+                </a:solidFill>
+                <a:latin typeface="Arial"/>
+                <a:ea typeface="Arial"/>
+                <a:cs typeface="Arial"/>
+                <a:sym typeface="Arial"/>
               </a:defRPr>
             </a:pPr>
             <a:r>
